--- a/content/cse115/media/115Slides/3-Functions.pptx
+++ b/content/cse115/media/115Slides/3-Functions.pptx
@@ -5,7 +5,7 @@
     <p:sldMasterId id="2147483660" r:id="rId1"/>
   </p:sldMasterIdLst>
   <p:notesMasterIdLst>
-    <p:notesMasterId r:id="rId12"/>
+    <p:notesMasterId r:id="rId16"/>
   </p:notesMasterIdLst>
   <p:sldIdLst>
     <p:sldId id="256" r:id="rId2"/>
@@ -14,10 +14,14 @@
     <p:sldId id="263" r:id="rId5"/>
     <p:sldId id="259" r:id="rId6"/>
     <p:sldId id="274" r:id="rId7"/>
-    <p:sldId id="277" r:id="rId8"/>
-    <p:sldId id="278" r:id="rId9"/>
-    <p:sldId id="272" r:id="rId10"/>
-    <p:sldId id="279" r:id="rId11"/>
+    <p:sldId id="281" r:id="rId8"/>
+    <p:sldId id="282" r:id="rId9"/>
+    <p:sldId id="283" r:id="rId10"/>
+    <p:sldId id="284" r:id="rId11"/>
+    <p:sldId id="272" r:id="rId12"/>
+    <p:sldId id="285" r:id="rId13"/>
+    <p:sldId id="279" r:id="rId14"/>
+    <p:sldId id="280" r:id="rId15"/>
   </p:sldIdLst>
   <p:sldSz cx="9144000" cy="6858000" type="screen4x3"/>
   <p:notesSz cx="6858000" cy="9144000"/>
@@ -201,7 +205,7 @@
           <a:p>
             <a:fld id="{E43CAD67-EA07-6E43-B513-90AD5AC9B4AC}" type="datetimeFigureOut">
               <a:rPr lang="en-US" smtClean="0"/>
-              <a:t>2/7/17</a:t>
+              <a:t>2/11/17</a:t>
             </a:fld>
             <a:endParaRPr lang="en-US"/>
           </a:p>
@@ -650,7 +654,7 @@
           <a:p>
             <a:fld id="{37294231-DEF7-9C44-8263-6D85FFAC3F1A}" type="datetimeFigureOut">
               <a:rPr lang="en-US" smtClean="0"/>
-              <a:t>2/7/17</a:t>
+              <a:t>2/11/17</a:t>
             </a:fld>
             <a:endParaRPr lang="en-US"/>
           </a:p>
@@ -820,7 +824,7 @@
           <a:p>
             <a:fld id="{37294231-DEF7-9C44-8263-6D85FFAC3F1A}" type="datetimeFigureOut">
               <a:rPr lang="en-US" smtClean="0"/>
-              <a:t>2/7/17</a:t>
+              <a:t>2/11/17</a:t>
             </a:fld>
             <a:endParaRPr lang="en-US"/>
           </a:p>
@@ -1000,7 +1004,7 @@
           <a:p>
             <a:fld id="{37294231-DEF7-9C44-8263-6D85FFAC3F1A}" type="datetimeFigureOut">
               <a:rPr lang="en-US" smtClean="0"/>
-              <a:t>2/7/17</a:t>
+              <a:t>2/11/17</a:t>
             </a:fld>
             <a:endParaRPr lang="en-US"/>
           </a:p>
@@ -1170,7 +1174,7 @@
           <a:p>
             <a:fld id="{37294231-DEF7-9C44-8263-6D85FFAC3F1A}" type="datetimeFigureOut">
               <a:rPr lang="en-US" smtClean="0"/>
-              <a:t>2/7/17</a:t>
+              <a:t>2/11/17</a:t>
             </a:fld>
             <a:endParaRPr lang="en-US"/>
           </a:p>
@@ -1416,7 +1420,7 @@
           <a:p>
             <a:fld id="{37294231-DEF7-9C44-8263-6D85FFAC3F1A}" type="datetimeFigureOut">
               <a:rPr lang="en-US" smtClean="0"/>
-              <a:t>2/7/17</a:t>
+              <a:t>2/11/17</a:t>
             </a:fld>
             <a:endParaRPr lang="en-US"/>
           </a:p>
@@ -1704,7 +1708,7 @@
           <a:p>
             <a:fld id="{37294231-DEF7-9C44-8263-6D85FFAC3F1A}" type="datetimeFigureOut">
               <a:rPr lang="en-US" smtClean="0"/>
-              <a:t>2/7/17</a:t>
+              <a:t>2/11/17</a:t>
             </a:fld>
             <a:endParaRPr lang="en-US"/>
           </a:p>
@@ -2126,7 +2130,7 @@
           <a:p>
             <a:fld id="{37294231-DEF7-9C44-8263-6D85FFAC3F1A}" type="datetimeFigureOut">
               <a:rPr lang="en-US" smtClean="0"/>
-              <a:t>2/7/17</a:t>
+              <a:t>2/11/17</a:t>
             </a:fld>
             <a:endParaRPr lang="en-US"/>
           </a:p>
@@ -2244,7 +2248,7 @@
           <a:p>
             <a:fld id="{37294231-DEF7-9C44-8263-6D85FFAC3F1A}" type="datetimeFigureOut">
               <a:rPr lang="en-US" smtClean="0"/>
-              <a:t>2/7/17</a:t>
+              <a:t>2/11/17</a:t>
             </a:fld>
             <a:endParaRPr lang="en-US"/>
           </a:p>
@@ -2339,7 +2343,7 @@
           <a:p>
             <a:fld id="{37294231-DEF7-9C44-8263-6D85FFAC3F1A}" type="datetimeFigureOut">
               <a:rPr lang="en-US" smtClean="0"/>
-              <a:t>2/7/17</a:t>
+              <a:t>2/11/17</a:t>
             </a:fld>
             <a:endParaRPr lang="en-US"/>
           </a:p>
@@ -2616,7 +2620,7 @@
           <a:p>
             <a:fld id="{37294231-DEF7-9C44-8263-6D85FFAC3F1A}" type="datetimeFigureOut">
               <a:rPr lang="en-US" smtClean="0"/>
-              <a:t>2/7/17</a:t>
+              <a:t>2/11/17</a:t>
             </a:fld>
             <a:endParaRPr lang="en-US"/>
           </a:p>
@@ -2873,7 +2877,7 @@
           <a:p>
             <a:fld id="{37294231-DEF7-9C44-8263-6D85FFAC3F1A}" type="datetimeFigureOut">
               <a:rPr lang="en-US" smtClean="0"/>
-              <a:t>2/7/17</a:t>
+              <a:t>2/11/17</a:t>
             </a:fld>
             <a:endParaRPr lang="en-US"/>
           </a:p>
@@ -3086,7 +3090,7 @@
           <a:p>
             <a:fld id="{37294231-DEF7-9C44-8263-6D85FFAC3F1A}" type="datetimeFigureOut">
               <a:rPr lang="en-US" smtClean="0"/>
-              <a:t>2/7/17</a:t>
+              <a:t>2/11/17</a:t>
             </a:fld>
             <a:endParaRPr lang="en-US"/>
           </a:p>
@@ -3480,7 +3484,7 @@
           <a:p>
             <a:r>
               <a:rPr lang="en-US" sz="9600" dirty="0" smtClean="0"/>
-              <a:t>Loops</a:t>
+              <a:t>Functions</a:t>
             </a:r>
             <a:endParaRPr lang="en-US" sz="9600" dirty="0"/>
           </a:p>
@@ -3525,50 +3529,69 @@
       </p:grpSpPr>
       <p:sp>
         <p:nvSpPr>
-          <p:cNvPr id="4" name="Title 3"/>
-          <p:cNvSpPr>
-            <a:spLocks noGrp="1"/>
-          </p:cNvSpPr>
-          <p:nvPr>
-            <p:ph type="ctrTitle"/>
+          <p:cNvPr id="2" name="Title 1"/>
+          <p:cNvSpPr>
+            <a:spLocks noGrp="1"/>
+          </p:cNvSpPr>
+          <p:nvPr>
+            <p:ph type="title"/>
           </p:nvPr>
         </p:nvSpPr>
         <p:spPr/>
         <p:txBody>
-          <a:bodyPr/>
-          <a:lstStyle/>
-          <a:p>
-            <a:r>
-              <a:rPr lang="en-US" dirty="0" smtClean="0"/>
-              <a:t>To code examples</a:t>
-            </a:r>
+          <a:bodyPr>
+            <a:normAutofit/>
+          </a:bodyPr>
+          <a:lstStyle/>
+          <a:p>
+            <a:endParaRPr lang="en-US" sz="6000" dirty="0"/>
+          </a:p>
+        </p:txBody>
+      </p:sp>
+      <p:sp>
+        <p:nvSpPr>
+          <p:cNvPr id="5" name="Content Placeholder 2"/>
+          <p:cNvSpPr>
+            <a:spLocks noGrp="1"/>
+          </p:cNvSpPr>
+          <p:nvPr>
+            <p:ph idx="1"/>
+          </p:nvPr>
+        </p:nvSpPr>
+        <p:spPr>
+          <a:xfrm>
+            <a:off x="457200" y="1600200"/>
+            <a:ext cx="8229600" cy="4525963"/>
+          </a:xfrm>
+        </p:spPr>
+        <p:txBody>
+          <a:bodyPr/>
+          <a:lstStyle/>
+          <a:p>
+            <a:endParaRPr lang="en-US" dirty="0" smtClean="0"/>
+          </a:p>
+          <a:p>
             <a:endParaRPr lang="en-US" dirty="0"/>
           </a:p>
-        </p:txBody>
-      </p:sp>
-      <p:sp>
-        <p:nvSpPr>
-          <p:cNvPr id="5" name="Subtitle 4"/>
-          <p:cNvSpPr>
-            <a:spLocks noGrp="1"/>
-          </p:cNvSpPr>
-          <p:nvPr>
-            <p:ph type="subTitle" idx="1"/>
-          </p:nvPr>
-        </p:nvSpPr>
-        <p:spPr/>
-        <p:txBody>
-          <a:bodyPr/>
-          <a:lstStyle/>
-          <a:p>
-            <a:endParaRPr lang="en-US"/>
+          <a:p>
+            <a:pPr marL="0" indent="0" algn="ctr">
+              <a:buNone/>
+            </a:pPr>
+            <a:r>
+              <a:rPr lang="en-US" sz="3600" dirty="0" smtClean="0"/>
+              <a:t>This could keep going</a:t>
+            </a:r>
+            <a:endParaRPr lang="en-US" sz="3600" dirty="0"/>
+          </a:p>
+          <a:p>
+            <a:endParaRPr lang="en-US" dirty="0" smtClean="0"/>
           </a:p>
         </p:txBody>
       </p:sp>
     </p:spTree>
     <p:extLst>
       <p:ext uri="{BB962C8B-B14F-4D97-AF65-F5344CB8AC3E}">
-        <p14:creationId xmlns:p14="http://schemas.microsoft.com/office/powerpoint/2010/main" val="2663328906"/>
+        <p14:creationId xmlns:p14="http://schemas.microsoft.com/office/powerpoint/2010/main" val="318473001"/>
       </p:ext>
     </p:extLst>
   </p:cSld>
@@ -3585,7 +3608,7 @@
 </p:sld>
 </file>
 
-<file path=ppt/slides/slide2.xml><?xml version="1.0" encoding="utf-8"?>
+<file path=ppt/slides/slide11.xml><?xml version="1.0" encoding="utf-8"?>
 <p:sld xmlns:a="http://schemas.openxmlformats.org/drawingml/2006/main" xmlns:r="http://schemas.openxmlformats.org/officeDocument/2006/relationships" xmlns:p="http://schemas.openxmlformats.org/presentationml/2006/main">
   <p:cSld>
     <p:spTree>
@@ -3614,393 +3637,82 @@
         </p:nvSpPr>
         <p:spPr/>
         <p:txBody>
+          <a:bodyPr/>
+          <a:lstStyle/>
+          <a:p>
+            <a:r>
+              <a:rPr lang="en-US" dirty="0" smtClean="0"/>
+              <a:t>Think at a higher level</a:t>
+            </a:r>
+            <a:endParaRPr lang="en-US" dirty="0"/>
+          </a:p>
+        </p:txBody>
+      </p:sp>
+      <p:sp>
+        <p:nvSpPr>
+          <p:cNvPr id="3" name="Content Placeholder 2"/>
+          <p:cNvSpPr>
+            <a:spLocks noGrp="1"/>
+          </p:cNvSpPr>
+          <p:nvPr>
+            <p:ph idx="1"/>
+          </p:nvPr>
+        </p:nvSpPr>
+        <p:spPr>
+          <a:xfrm>
+            <a:off x="457200" y="1600200"/>
+            <a:ext cx="8229600" cy="5123329"/>
+          </a:xfrm>
+        </p:spPr>
+        <p:txBody>
           <a:bodyPr>
             <a:normAutofit/>
           </a:bodyPr>
           <a:lstStyle/>
           <a:p>
-            <a:endParaRPr lang="en-US" sz="6000" dirty="0"/>
-          </a:p>
-        </p:txBody>
-      </p:sp>
-      <p:sp>
-        <p:nvSpPr>
-          <p:cNvPr id="3" name="Content Placeholder 2"/>
-          <p:cNvSpPr>
-            <a:spLocks noGrp="1"/>
-          </p:cNvSpPr>
-          <p:nvPr>
-            <p:ph idx="1"/>
-          </p:nvPr>
-        </p:nvSpPr>
-        <p:spPr/>
-        <p:txBody>
-          <a:bodyPr/>
-          <a:lstStyle/>
-          <a:p>
+            <a:r>
+              <a:rPr lang="en-US" dirty="0"/>
+              <a:t>Teach the computer every single detail needed to perform a </a:t>
+            </a:r>
+            <a:r>
+              <a:rPr lang="en-US" dirty="0" smtClean="0"/>
+              <a:t>task</a:t>
+            </a:r>
+          </a:p>
+          <a:p>
+            <a:endParaRPr lang="en-US" dirty="0"/>
+          </a:p>
+          <a:p>
+            <a:r>
+              <a:rPr lang="en-US" dirty="0" smtClean="0"/>
+              <a:t>Let the computer remember the details while we think about the next task</a:t>
+            </a:r>
             <a:endParaRPr lang="en-US" dirty="0" smtClean="0"/>
           </a:p>
           <a:p>
-            <a:endParaRPr lang="en-US" dirty="0"/>
-          </a:p>
-          <a:p>
-            <a:pPr marL="0" indent="0" algn="ctr">
+            <a:endParaRPr lang="en-US" dirty="0" smtClean="0"/>
+          </a:p>
+          <a:p>
+            <a:r>
+              <a:rPr lang="en-US" dirty="0" smtClean="0"/>
+              <a:t>Call functions as many times as we want without revisiting the details</a:t>
+            </a:r>
+          </a:p>
+          <a:p>
+            <a:pPr marL="0" indent="0">
               <a:buNone/>
             </a:pPr>
-            <a:r>
-              <a:rPr lang="en-US" sz="3600" dirty="0" smtClean="0"/>
-              <a:t>Repeat an action</a:t>
-            </a:r>
-            <a:endParaRPr lang="en-US" sz="3600" dirty="0" smtClean="0"/>
-          </a:p>
-          <a:p>
-            <a:endParaRPr lang="en-US" dirty="0" smtClean="0"/>
+            <a:endParaRPr lang="en-US" dirty="0"/>
+          </a:p>
+          <a:p>
+            <a:endParaRPr lang="en-US" dirty="0"/>
           </a:p>
         </p:txBody>
       </p:sp>
     </p:spTree>
     <p:extLst>
       <p:ext uri="{BB962C8B-B14F-4D97-AF65-F5344CB8AC3E}">
-        <p14:creationId xmlns:p14="http://schemas.microsoft.com/office/powerpoint/2010/main" val="4011743278"/>
-      </p:ext>
-    </p:extLst>
-  </p:cSld>
-  <p:clrMapOvr>
-    <a:masterClrMapping/>
-  </p:clrMapOvr>
-  <p:timing>
-    <p:tnLst>
-      <p:par>
-        <p:cTn xmlns:p14="http://schemas.microsoft.com/office/powerpoint/2010/main" id="1" dur="indefinite" restart="never" nodeType="tmRoot"/>
-      </p:par>
-    </p:tnLst>
-  </p:timing>
-</p:sld>
-</file>
-
-<file path=ppt/slides/slide3.xml><?xml version="1.0" encoding="utf-8"?>
-<p:sld xmlns:a="http://schemas.openxmlformats.org/drawingml/2006/main" xmlns:r="http://schemas.openxmlformats.org/officeDocument/2006/relationships" xmlns:p="http://schemas.openxmlformats.org/presentationml/2006/main">
-  <p:cSld>
-    <p:spTree>
-      <p:nvGrpSpPr>
-        <p:cNvPr id="1" name=""/>
-        <p:cNvGrpSpPr/>
-        <p:nvPr/>
-      </p:nvGrpSpPr>
-      <p:grpSpPr>
-        <a:xfrm>
-          <a:off x="0" y="0"/>
-          <a:ext cx="0" cy="0"/>
-          <a:chOff x="0" y="0"/>
-          <a:chExt cx="0" cy="0"/>
-        </a:xfrm>
-      </p:grpSpPr>
-      <p:sp>
-        <p:nvSpPr>
-          <p:cNvPr id="2" name="Title 1"/>
-          <p:cNvSpPr>
-            <a:spLocks noGrp="1"/>
-          </p:cNvSpPr>
-          <p:nvPr>
-            <p:ph type="title"/>
-          </p:nvPr>
-        </p:nvSpPr>
-        <p:spPr/>
-        <p:txBody>
-          <a:bodyPr>
-            <a:normAutofit/>
-          </a:bodyPr>
-          <a:lstStyle/>
-          <a:p>
-            <a:endParaRPr lang="en-US" sz="6000" dirty="0"/>
-          </a:p>
-        </p:txBody>
-      </p:sp>
-      <p:sp>
-        <p:nvSpPr>
-          <p:cNvPr id="4" name="Content Placeholder 2"/>
-          <p:cNvSpPr>
-            <a:spLocks noGrp="1"/>
-          </p:cNvSpPr>
-          <p:nvPr>
-            <p:ph idx="1"/>
-          </p:nvPr>
-        </p:nvSpPr>
-        <p:spPr/>
-        <p:txBody>
-          <a:bodyPr/>
-          <a:lstStyle/>
-          <a:p>
-            <a:endParaRPr lang="en-US" dirty="0" smtClean="0"/>
-          </a:p>
-          <a:p>
-            <a:endParaRPr lang="en-US" dirty="0"/>
-          </a:p>
-          <a:p>
-            <a:pPr marL="0" indent="0" algn="ctr">
-              <a:buNone/>
-            </a:pPr>
-            <a:r>
-              <a:rPr lang="en-US" sz="3600" dirty="0" smtClean="0"/>
-              <a:t>Need to adjust to changing information</a:t>
-            </a:r>
-            <a:endParaRPr lang="en-US" sz="3600" dirty="0" smtClean="0"/>
-          </a:p>
-        </p:txBody>
-      </p:sp>
-    </p:spTree>
-    <p:extLst>
-      <p:ext uri="{BB962C8B-B14F-4D97-AF65-F5344CB8AC3E}">
-        <p14:creationId xmlns:p14="http://schemas.microsoft.com/office/powerpoint/2010/main" val="1263569603"/>
-      </p:ext>
-    </p:extLst>
-  </p:cSld>
-  <p:clrMapOvr>
-    <a:masterClrMapping/>
-  </p:clrMapOvr>
-  <p:timing>
-    <p:tnLst>
-      <p:par>
-        <p:cTn xmlns:p14="http://schemas.microsoft.com/office/powerpoint/2010/main" id="1" dur="indefinite" restart="never" nodeType="tmRoot"/>
-      </p:par>
-    </p:tnLst>
-  </p:timing>
-</p:sld>
-</file>
-
-<file path=ppt/slides/slide4.xml><?xml version="1.0" encoding="utf-8"?>
-<p:sld xmlns:a="http://schemas.openxmlformats.org/drawingml/2006/main" xmlns:r="http://schemas.openxmlformats.org/officeDocument/2006/relationships" xmlns:p="http://schemas.openxmlformats.org/presentationml/2006/main">
-  <p:cSld>
-    <p:spTree>
-      <p:nvGrpSpPr>
-        <p:cNvPr id="1" name=""/>
-        <p:cNvGrpSpPr/>
-        <p:nvPr/>
-      </p:nvGrpSpPr>
-      <p:grpSpPr>
-        <a:xfrm>
-          <a:off x="0" y="0"/>
-          <a:ext cx="0" cy="0"/>
-          <a:chOff x="0" y="0"/>
-          <a:chExt cx="0" cy="0"/>
-        </a:xfrm>
-      </p:grpSpPr>
-      <p:sp>
-        <p:nvSpPr>
-          <p:cNvPr id="2" name="Title 1"/>
-          <p:cNvSpPr>
-            <a:spLocks noGrp="1"/>
-          </p:cNvSpPr>
-          <p:nvPr>
-            <p:ph type="title"/>
-          </p:nvPr>
-        </p:nvSpPr>
-        <p:spPr/>
-        <p:txBody>
-          <a:bodyPr>
-            <a:normAutofit/>
-          </a:bodyPr>
-          <a:lstStyle/>
-          <a:p>
-            <a:endParaRPr lang="en-US" sz="6000" dirty="0"/>
-          </a:p>
-        </p:txBody>
-      </p:sp>
-      <p:sp>
-        <p:nvSpPr>
-          <p:cNvPr id="4" name="Content Placeholder 2"/>
-          <p:cNvSpPr>
-            <a:spLocks noGrp="1"/>
-          </p:cNvSpPr>
-          <p:nvPr>
-            <p:ph idx="1"/>
-          </p:nvPr>
-        </p:nvSpPr>
-        <p:spPr/>
-        <p:txBody>
-          <a:bodyPr/>
-          <a:lstStyle/>
-          <a:p>
-            <a:endParaRPr lang="en-US" dirty="0" smtClean="0"/>
-          </a:p>
-          <a:p>
-            <a:endParaRPr lang="en-US" dirty="0"/>
-          </a:p>
-          <a:p>
-            <a:pPr marL="0" indent="0" algn="ctr">
-              <a:buNone/>
-            </a:pPr>
-            <a:r>
-              <a:rPr lang="en-US" sz="3600" dirty="0"/>
-              <a:t>Our software must adapt</a:t>
-            </a:r>
-          </a:p>
-          <a:p>
-            <a:endParaRPr lang="en-US" dirty="0" smtClean="0"/>
-          </a:p>
-        </p:txBody>
-      </p:sp>
-    </p:spTree>
-    <p:extLst>
-      <p:ext uri="{BB962C8B-B14F-4D97-AF65-F5344CB8AC3E}">
-        <p14:creationId xmlns:p14="http://schemas.microsoft.com/office/powerpoint/2010/main" val="2658567800"/>
-      </p:ext>
-    </p:extLst>
-  </p:cSld>
-  <p:clrMapOvr>
-    <a:masterClrMapping/>
-  </p:clrMapOvr>
-  <p:timing>
-    <p:tnLst>
-      <p:par>
-        <p:cTn xmlns:p14="http://schemas.microsoft.com/office/powerpoint/2010/main" id="1" dur="indefinite" restart="never" nodeType="tmRoot"/>
-      </p:par>
-    </p:tnLst>
-  </p:timing>
-</p:sld>
-</file>
-
-<file path=ppt/slides/slide5.xml><?xml version="1.0" encoding="utf-8"?>
-<p:sld xmlns:a="http://schemas.openxmlformats.org/drawingml/2006/main" xmlns:r="http://schemas.openxmlformats.org/officeDocument/2006/relationships" xmlns:p="http://schemas.openxmlformats.org/presentationml/2006/main">
-  <p:cSld>
-    <p:spTree>
-      <p:nvGrpSpPr>
-        <p:cNvPr id="1" name=""/>
-        <p:cNvGrpSpPr/>
-        <p:nvPr/>
-      </p:nvGrpSpPr>
-      <p:grpSpPr>
-        <a:xfrm>
-          <a:off x="0" y="0"/>
-          <a:ext cx="0" cy="0"/>
-          <a:chOff x="0" y="0"/>
-          <a:chExt cx="0" cy="0"/>
-        </a:xfrm>
-      </p:grpSpPr>
-      <p:sp>
-        <p:nvSpPr>
-          <p:cNvPr id="2" name="Title 1"/>
-          <p:cNvSpPr>
-            <a:spLocks noGrp="1"/>
-          </p:cNvSpPr>
-          <p:nvPr>
-            <p:ph type="title"/>
-          </p:nvPr>
-        </p:nvSpPr>
-        <p:spPr/>
-        <p:txBody>
-          <a:bodyPr>
-            <a:normAutofit/>
-          </a:bodyPr>
-          <a:lstStyle/>
-          <a:p>
-            <a:r>
-              <a:rPr lang="en-US" sz="6000" dirty="0" smtClean="0"/>
-              <a:t>Loop</a:t>
-            </a:r>
-            <a:endParaRPr lang="en-US" sz="6000" dirty="0"/>
-          </a:p>
-        </p:txBody>
-      </p:sp>
-      <p:sp>
-        <p:nvSpPr>
-          <p:cNvPr id="3" name="Content Placeholder 2"/>
-          <p:cNvSpPr>
-            <a:spLocks noGrp="1"/>
-          </p:cNvSpPr>
-          <p:nvPr>
-            <p:ph idx="1"/>
-          </p:nvPr>
-        </p:nvSpPr>
-        <p:spPr/>
-        <p:txBody>
-          <a:bodyPr>
-            <a:normAutofit lnSpcReduction="10000"/>
-          </a:bodyPr>
-          <a:lstStyle/>
-          <a:p>
-            <a:pPr marL="514350" indent="-514350">
-              <a:buFont typeface="+mj-lt"/>
-              <a:buAutoNum type="arabicPeriod"/>
-            </a:pPr>
-            <a:r>
-              <a:rPr lang="en-US" dirty="0" smtClean="0"/>
-              <a:t>Arrive </a:t>
-            </a:r>
-            <a:r>
-              <a:rPr lang="en-US" dirty="0" smtClean="0"/>
-              <a:t>at a decision</a:t>
-            </a:r>
-          </a:p>
-          <a:p>
-            <a:pPr marL="514350" indent="-514350">
-              <a:buFont typeface="+mj-lt"/>
-              <a:buAutoNum type="arabicPeriod"/>
-            </a:pPr>
-            <a:endParaRPr lang="en-US" dirty="0"/>
-          </a:p>
-          <a:p>
-            <a:pPr marL="514350" indent="-514350">
-              <a:buFont typeface="+mj-lt"/>
-              <a:buAutoNum type="arabicPeriod"/>
-            </a:pPr>
-            <a:r>
-              <a:rPr lang="en-US" dirty="0" smtClean="0"/>
-              <a:t>Check a condition</a:t>
-            </a:r>
-          </a:p>
-          <a:p>
-            <a:pPr marL="514350" indent="-514350">
-              <a:buFont typeface="+mj-lt"/>
-              <a:buAutoNum type="arabicPeriod"/>
-            </a:pPr>
-            <a:endParaRPr lang="en-US" dirty="0"/>
-          </a:p>
-          <a:p>
-            <a:pPr marL="514350" indent="-514350">
-              <a:buFont typeface="+mj-lt"/>
-              <a:buAutoNum type="arabicPeriod"/>
-            </a:pPr>
-            <a:r>
-              <a:rPr lang="en-US" dirty="0" smtClean="0"/>
-              <a:t>Perform an action if condition is met</a:t>
-            </a:r>
-          </a:p>
-          <a:p>
-            <a:pPr marL="914400" lvl="1" indent="-514350"/>
-            <a:r>
-              <a:rPr lang="en-US" dirty="0" smtClean="0"/>
-              <a:t>Go back to 2 and recheck the condition</a:t>
-            </a:r>
-          </a:p>
-          <a:p>
-            <a:pPr marL="914400" lvl="1" indent="-514350"/>
-            <a:endParaRPr lang="en-US" dirty="0"/>
-          </a:p>
-          <a:p>
-            <a:pPr marL="514350" indent="-514350">
-              <a:buFont typeface="+mj-lt"/>
-              <a:buAutoNum type="arabicPeriod"/>
-            </a:pPr>
-            <a:r>
-              <a:rPr lang="en-US" dirty="0" smtClean="0"/>
-              <a:t>When condition is not met, proceed</a:t>
-            </a:r>
-            <a:endParaRPr lang="en-US" dirty="0"/>
-          </a:p>
-          <a:p>
-            <a:pPr marL="514350" indent="-514350">
-              <a:buFont typeface="+mj-lt"/>
-              <a:buAutoNum type="arabicPeriod"/>
-            </a:pPr>
-            <a:endParaRPr lang="en-US" dirty="0"/>
-          </a:p>
-        </p:txBody>
-      </p:sp>
-    </p:spTree>
-    <p:extLst>
-      <p:ext uri="{BB962C8B-B14F-4D97-AF65-F5344CB8AC3E}">
-        <p14:creationId xmlns:p14="http://schemas.microsoft.com/office/powerpoint/2010/main" val="857567105"/>
+        <p14:creationId xmlns:p14="http://schemas.microsoft.com/office/powerpoint/2010/main" val="1257710344"/>
       </p:ext>
     </p:extLst>
   </p:cSld>
@@ -4162,104 +3874,6 @@
                       </p:childTnLst>
                     </p:cTn>
                   </p:par>
-                  <p:par>
-                    <p:cTn id="15" fill="hold">
-                      <p:stCondLst>
-                        <p:cond delay="indefinite"/>
-                      </p:stCondLst>
-                      <p:childTnLst>
-                        <p:par>
-                          <p:cTn id="16" fill="hold">
-                            <p:stCondLst>
-                              <p:cond delay="0"/>
-                            </p:stCondLst>
-                            <p:childTnLst>
-                              <p:par>
-                                <p:cTn id="17" presetID="1" presetClass="entr" presetSubtype="0" fill="hold" grpId="0" nodeType="clickEffect">
-                                  <p:stCondLst>
-                                    <p:cond delay="0"/>
-                                  </p:stCondLst>
-                                  <p:childTnLst>
-                                    <p:set>
-                                      <p:cBhvr>
-                                        <p:cTn id="18" dur="1" fill="hold">
-                                          <p:stCondLst>
-                                            <p:cond delay="0"/>
-                                          </p:stCondLst>
-                                        </p:cTn>
-                                        <p:tgtEl>
-                                          <p:spTgt spid="3">
-                                            <p:txEl>
-                                              <p:pRg st="5" end="5"/>
-                                            </p:txEl>
-                                          </p:spTgt>
-                                        </p:tgtEl>
-                                        <p:attrNameLst>
-                                          <p:attrName>style.visibility</p:attrName>
-                                        </p:attrNameLst>
-                                      </p:cBhvr>
-                                      <p:to>
-                                        <p:strVal val="visible"/>
-                                      </p:to>
-                                    </p:set>
-                                  </p:childTnLst>
-                                </p:cTn>
-                              </p:par>
-                            </p:childTnLst>
-                          </p:cTn>
-                        </p:par>
-                      </p:childTnLst>
-                    </p:cTn>
-                  </p:par>
-                  <p:par>
-                    <p:cTn id="19" fill="hold">
-                      <p:stCondLst>
-                        <p:cond delay="indefinite"/>
-                      </p:stCondLst>
-                      <p:childTnLst>
-                        <p:par>
-                          <p:cTn id="20" fill="hold">
-                            <p:stCondLst>
-                              <p:cond delay="0"/>
-                            </p:stCondLst>
-                            <p:childTnLst>
-                              <p:par>
-                                <p:cTn id="21" presetID="1" presetClass="entr" presetSubtype="0" fill="hold" grpId="0" nodeType="clickEffect">
-                                  <p:stCondLst>
-                                    <p:cond delay="0"/>
-                                  </p:stCondLst>
-                                  <p:childTnLst>
-                                    <p:set>
-                                      <p:cBhvr>
-                                        <p:cTn id="22" dur="1" fill="hold">
-                                          <p:stCondLst>
-                                            <p:cond delay="0"/>
-                                          </p:stCondLst>
-                                        </p:cTn>
-                                        <p:tgtEl>
-                                          <p:spTgt spid="3">
-                                            <p:txEl>
-                                              <p:pRg st="7" end="7"/>
-                                            </p:txEl>
-                                          </p:spTgt>
-                                        </p:tgtEl>
-                                        <p:attrNameLst>
-                                          <p:attrName>style.visibility</p:attrName>
-                                        </p:attrNameLst>
-                                      </p:cBhvr>
-                                      <p:to>
-                                        <p:strVal val="visible"/>
-                                      </p:to>
-                                    </p:set>
-                                  </p:childTnLst>
-                                </p:cTn>
-                              </p:par>
-                            </p:childTnLst>
-                          </p:cTn>
-                        </p:par>
-                      </p:childTnLst>
-                    </p:cTn>
-                  </p:par>
                 </p:childTnLst>
               </p:cTn>
               <p:prevCondLst>
@@ -4288,7 +3902,7 @@
 </p:sld>
 </file>
 
-<file path=ppt/slides/slide6.xml><?xml version="1.0" encoding="utf-8"?>
+<file path=ppt/slides/slide12.xml><?xml version="1.0" encoding="utf-8"?>
 <p:sld xmlns:a="http://schemas.openxmlformats.org/drawingml/2006/main" xmlns:r="http://schemas.openxmlformats.org/officeDocument/2006/relationships" xmlns:p="http://schemas.openxmlformats.org/presentationml/2006/main">
   <p:cSld>
     <p:spTree>
@@ -4324,7 +3938,15 @@
           <a:p>
             <a:r>
               <a:rPr lang="en-US" sz="6000" dirty="0" smtClean="0"/>
-              <a:t>Loop</a:t>
+              <a:t>A Powerful </a:t>
+            </a:r>
+            <a:r>
+              <a:rPr lang="en-US" sz="6000" dirty="0"/>
+              <a:t>B</a:t>
+            </a:r>
+            <a:r>
+              <a:rPr lang="en-US" sz="6000" dirty="0" smtClean="0"/>
+              <a:t>enefit</a:t>
             </a:r>
             <a:endParaRPr lang="en-US" sz="6000" dirty="0"/>
           </a:p>
@@ -4332,6 +3954,279 @@
       </p:sp>
       <p:sp>
         <p:nvSpPr>
+          <p:cNvPr id="5" name="Content Placeholder 2"/>
+          <p:cNvSpPr>
+            <a:spLocks noGrp="1"/>
+          </p:cNvSpPr>
+          <p:nvPr>
+            <p:ph idx="1"/>
+          </p:nvPr>
+        </p:nvSpPr>
+        <p:spPr>
+          <a:xfrm>
+            <a:off x="457200" y="1600200"/>
+            <a:ext cx="8229600" cy="4525963"/>
+          </a:xfrm>
+        </p:spPr>
+        <p:txBody>
+          <a:bodyPr/>
+          <a:lstStyle/>
+          <a:p>
+            <a:endParaRPr lang="en-US" dirty="0" smtClean="0"/>
+          </a:p>
+          <a:p>
+            <a:endParaRPr lang="en-US" dirty="0"/>
+          </a:p>
+          <a:p>
+            <a:pPr marL="0" indent="0" algn="ctr">
+              <a:buNone/>
+            </a:pPr>
+            <a:r>
+              <a:rPr lang="en-US" sz="3600" dirty="0"/>
+              <a:t>Share functions with other developers so </a:t>
+            </a:r>
+            <a:r>
+              <a:rPr lang="en-US" sz="3600" b="1" dirty="0"/>
+              <a:t>only one person </a:t>
+            </a:r>
+            <a:r>
+              <a:rPr lang="en-US" sz="3600" dirty="0"/>
+              <a:t>has to think about the details </a:t>
+            </a:r>
+            <a:r>
+              <a:rPr lang="en-US" sz="3600" b="1" dirty="0"/>
+              <a:t>only once</a:t>
+            </a:r>
+            <a:r>
+              <a:rPr lang="en-US" sz="3600" dirty="0" smtClean="0"/>
+              <a:t>!</a:t>
+            </a:r>
+            <a:endParaRPr lang="en-US" sz="3600" dirty="0"/>
+          </a:p>
+        </p:txBody>
+      </p:sp>
+    </p:spTree>
+    <p:extLst>
+      <p:ext uri="{BB962C8B-B14F-4D97-AF65-F5344CB8AC3E}">
+        <p14:creationId xmlns:p14="http://schemas.microsoft.com/office/powerpoint/2010/main" val="4262500838"/>
+      </p:ext>
+    </p:extLst>
+  </p:cSld>
+  <p:clrMapOvr>
+    <a:masterClrMapping/>
+  </p:clrMapOvr>
+  <p:timing>
+    <p:tnLst>
+      <p:par>
+        <p:cTn xmlns:p14="http://schemas.microsoft.com/office/powerpoint/2010/main" id="1" dur="indefinite" restart="never" nodeType="tmRoot"/>
+      </p:par>
+    </p:tnLst>
+  </p:timing>
+</p:sld>
+</file>
+
+<file path=ppt/slides/slide13.xml><?xml version="1.0" encoding="utf-8"?>
+<p:sld xmlns:a="http://schemas.openxmlformats.org/drawingml/2006/main" xmlns:r="http://schemas.openxmlformats.org/officeDocument/2006/relationships" xmlns:p="http://schemas.openxmlformats.org/presentationml/2006/main">
+  <p:cSld>
+    <p:spTree>
+      <p:nvGrpSpPr>
+        <p:cNvPr id="1" name=""/>
+        <p:cNvGrpSpPr/>
+        <p:nvPr/>
+      </p:nvGrpSpPr>
+      <p:grpSpPr>
+        <a:xfrm>
+          <a:off x="0" y="0"/>
+          <a:ext cx="0" cy="0"/>
+          <a:chOff x="0" y="0"/>
+          <a:chExt cx="0" cy="0"/>
+        </a:xfrm>
+      </p:grpSpPr>
+      <p:sp>
+        <p:nvSpPr>
+          <p:cNvPr id="4" name="Title 3"/>
+          <p:cNvSpPr>
+            <a:spLocks noGrp="1"/>
+          </p:cNvSpPr>
+          <p:nvPr>
+            <p:ph type="ctrTitle"/>
+          </p:nvPr>
+        </p:nvSpPr>
+        <p:spPr/>
+        <p:txBody>
+          <a:bodyPr/>
+          <a:lstStyle/>
+          <a:p>
+            <a:r>
+              <a:rPr lang="en-US" dirty="0" smtClean="0"/>
+              <a:t>We’ll apply this concept to java methods</a:t>
+            </a:r>
+            <a:endParaRPr lang="en-US" dirty="0"/>
+          </a:p>
+        </p:txBody>
+      </p:sp>
+      <p:sp>
+        <p:nvSpPr>
+          <p:cNvPr id="5" name="Subtitle 4"/>
+          <p:cNvSpPr>
+            <a:spLocks noGrp="1"/>
+          </p:cNvSpPr>
+          <p:nvPr>
+            <p:ph type="subTitle" idx="1"/>
+          </p:nvPr>
+        </p:nvSpPr>
+        <p:spPr/>
+        <p:txBody>
+          <a:bodyPr/>
+          <a:lstStyle/>
+          <a:p>
+            <a:endParaRPr lang="en-US"/>
+          </a:p>
+        </p:txBody>
+      </p:sp>
+    </p:spTree>
+    <p:extLst>
+      <p:ext uri="{BB962C8B-B14F-4D97-AF65-F5344CB8AC3E}">
+        <p14:creationId xmlns:p14="http://schemas.microsoft.com/office/powerpoint/2010/main" val="2663328906"/>
+      </p:ext>
+    </p:extLst>
+  </p:cSld>
+  <p:clrMapOvr>
+    <a:masterClrMapping/>
+  </p:clrMapOvr>
+  <p:timing>
+    <p:tnLst>
+      <p:par>
+        <p:cTn xmlns:p14="http://schemas.microsoft.com/office/powerpoint/2010/main" id="1" dur="indefinite" restart="never" nodeType="tmRoot"/>
+      </p:par>
+    </p:tnLst>
+  </p:timing>
+</p:sld>
+</file>
+
+<file path=ppt/slides/slide14.xml><?xml version="1.0" encoding="utf-8"?>
+<p:sld xmlns:a="http://schemas.openxmlformats.org/drawingml/2006/main" xmlns:r="http://schemas.openxmlformats.org/officeDocument/2006/relationships" xmlns:p="http://schemas.openxmlformats.org/presentationml/2006/main">
+  <p:cSld>
+    <p:spTree>
+      <p:nvGrpSpPr>
+        <p:cNvPr id="1" name=""/>
+        <p:cNvGrpSpPr/>
+        <p:nvPr/>
+      </p:nvGrpSpPr>
+      <p:grpSpPr>
+        <a:xfrm>
+          <a:off x="0" y="0"/>
+          <a:ext cx="0" cy="0"/>
+          <a:chOff x="0" y="0"/>
+          <a:chExt cx="0" cy="0"/>
+        </a:xfrm>
+      </p:grpSpPr>
+      <p:sp>
+        <p:nvSpPr>
+          <p:cNvPr id="4" name="Title 3"/>
+          <p:cNvSpPr>
+            <a:spLocks noGrp="1"/>
+          </p:cNvSpPr>
+          <p:nvPr>
+            <p:ph type="ctrTitle"/>
+          </p:nvPr>
+        </p:nvSpPr>
+        <p:spPr/>
+        <p:txBody>
+          <a:bodyPr/>
+          <a:lstStyle/>
+          <a:p>
+            <a:r>
+              <a:rPr lang="en-US" dirty="0" smtClean="0"/>
+              <a:t>To </a:t>
+            </a:r>
+            <a:r>
+              <a:rPr lang="en-US" dirty="0" smtClean="0"/>
+              <a:t>method examples</a:t>
+            </a:r>
+            <a:endParaRPr lang="en-US" dirty="0"/>
+          </a:p>
+        </p:txBody>
+      </p:sp>
+      <p:sp>
+        <p:nvSpPr>
+          <p:cNvPr id="5" name="Subtitle 4"/>
+          <p:cNvSpPr>
+            <a:spLocks noGrp="1"/>
+          </p:cNvSpPr>
+          <p:nvPr>
+            <p:ph type="subTitle" idx="1"/>
+          </p:nvPr>
+        </p:nvSpPr>
+        <p:spPr/>
+        <p:txBody>
+          <a:bodyPr/>
+          <a:lstStyle/>
+          <a:p>
+            <a:endParaRPr lang="en-US"/>
+          </a:p>
+        </p:txBody>
+      </p:sp>
+    </p:spTree>
+    <p:extLst>
+      <p:ext uri="{BB962C8B-B14F-4D97-AF65-F5344CB8AC3E}">
+        <p14:creationId xmlns:p14="http://schemas.microsoft.com/office/powerpoint/2010/main" val="3968282709"/>
+      </p:ext>
+    </p:extLst>
+  </p:cSld>
+  <p:clrMapOvr>
+    <a:masterClrMapping/>
+  </p:clrMapOvr>
+  <p:timing>
+    <p:tnLst>
+      <p:par>
+        <p:cTn xmlns:p14="http://schemas.microsoft.com/office/powerpoint/2010/main" id="1" dur="indefinite" restart="never" nodeType="tmRoot"/>
+      </p:par>
+    </p:tnLst>
+  </p:timing>
+</p:sld>
+</file>
+
+<file path=ppt/slides/slide2.xml><?xml version="1.0" encoding="utf-8"?>
+<p:sld xmlns:a="http://schemas.openxmlformats.org/drawingml/2006/main" xmlns:r="http://schemas.openxmlformats.org/officeDocument/2006/relationships" xmlns:p="http://schemas.openxmlformats.org/presentationml/2006/main">
+  <p:cSld>
+    <p:spTree>
+      <p:nvGrpSpPr>
+        <p:cNvPr id="1" name=""/>
+        <p:cNvGrpSpPr/>
+        <p:nvPr/>
+      </p:nvGrpSpPr>
+      <p:grpSpPr>
+        <a:xfrm>
+          <a:off x="0" y="0"/>
+          <a:ext cx="0" cy="0"/>
+          <a:chOff x="0" y="0"/>
+          <a:chExt cx="0" cy="0"/>
+        </a:xfrm>
+      </p:grpSpPr>
+      <p:sp>
+        <p:nvSpPr>
+          <p:cNvPr id="2" name="Title 1"/>
+          <p:cNvSpPr>
+            <a:spLocks noGrp="1"/>
+          </p:cNvSpPr>
+          <p:nvPr>
+            <p:ph type="title"/>
+          </p:nvPr>
+        </p:nvSpPr>
+        <p:spPr/>
+        <p:txBody>
+          <a:bodyPr>
+            <a:normAutofit/>
+          </a:bodyPr>
+          <a:lstStyle/>
+          <a:p>
+            <a:endParaRPr lang="en-US" sz="6000" dirty="0"/>
+          </a:p>
+        </p:txBody>
+      </p:sp>
+      <p:sp>
+        <p:nvSpPr>
           <p:cNvPr id="3" name="Content Placeholder 2"/>
           <p:cNvSpPr>
             <a:spLocks noGrp="1"/>
@@ -4342,8 +4237,293 @@
         </p:nvSpPr>
         <p:spPr/>
         <p:txBody>
+          <a:bodyPr/>
+          <a:lstStyle/>
+          <a:p>
+            <a:endParaRPr lang="en-US" dirty="0" smtClean="0"/>
+          </a:p>
+          <a:p>
+            <a:endParaRPr lang="en-US" dirty="0"/>
+          </a:p>
+          <a:p>
+            <a:pPr marL="0" indent="0" algn="ctr">
+              <a:buNone/>
+            </a:pPr>
+            <a:r>
+              <a:rPr lang="en-US" sz="3600" dirty="0" smtClean="0"/>
+              <a:t>Remember how to perform tasks</a:t>
+            </a:r>
+            <a:endParaRPr lang="en-US" sz="3600" dirty="0" smtClean="0"/>
+          </a:p>
+          <a:p>
+            <a:endParaRPr lang="en-US" dirty="0" smtClean="0"/>
+          </a:p>
+        </p:txBody>
+      </p:sp>
+    </p:spTree>
+    <p:extLst>
+      <p:ext uri="{BB962C8B-B14F-4D97-AF65-F5344CB8AC3E}">
+        <p14:creationId xmlns:p14="http://schemas.microsoft.com/office/powerpoint/2010/main" val="4011743278"/>
+      </p:ext>
+    </p:extLst>
+  </p:cSld>
+  <p:clrMapOvr>
+    <a:masterClrMapping/>
+  </p:clrMapOvr>
+  <p:timing>
+    <p:tnLst>
+      <p:par>
+        <p:cTn xmlns:p14="http://schemas.microsoft.com/office/powerpoint/2010/main" id="1" dur="indefinite" restart="never" nodeType="tmRoot"/>
+      </p:par>
+    </p:tnLst>
+  </p:timing>
+</p:sld>
+</file>
+
+<file path=ppt/slides/slide3.xml><?xml version="1.0" encoding="utf-8"?>
+<p:sld xmlns:a="http://schemas.openxmlformats.org/drawingml/2006/main" xmlns:r="http://schemas.openxmlformats.org/officeDocument/2006/relationships" xmlns:p="http://schemas.openxmlformats.org/presentationml/2006/main">
+  <p:cSld>
+    <p:spTree>
+      <p:nvGrpSpPr>
+        <p:cNvPr id="1" name=""/>
+        <p:cNvGrpSpPr/>
+        <p:nvPr/>
+      </p:nvGrpSpPr>
+      <p:grpSpPr>
+        <a:xfrm>
+          <a:off x="0" y="0"/>
+          <a:ext cx="0" cy="0"/>
+          <a:chOff x="0" y="0"/>
+          <a:chExt cx="0" cy="0"/>
+        </a:xfrm>
+      </p:grpSpPr>
+      <p:sp>
+        <p:nvSpPr>
+          <p:cNvPr id="2" name="Title 1"/>
+          <p:cNvSpPr>
+            <a:spLocks noGrp="1"/>
+          </p:cNvSpPr>
+          <p:nvPr>
+            <p:ph type="title"/>
+          </p:nvPr>
+        </p:nvSpPr>
+        <p:spPr/>
+        <p:txBody>
           <a:bodyPr>
-            <a:normAutofit fontScale="92500" lnSpcReduction="20000"/>
+            <a:normAutofit/>
+          </a:bodyPr>
+          <a:lstStyle/>
+          <a:p>
+            <a:endParaRPr lang="en-US" sz="6000" dirty="0"/>
+          </a:p>
+        </p:txBody>
+      </p:sp>
+      <p:sp>
+        <p:nvSpPr>
+          <p:cNvPr id="4" name="Content Placeholder 2"/>
+          <p:cNvSpPr>
+            <a:spLocks noGrp="1"/>
+          </p:cNvSpPr>
+          <p:nvPr>
+            <p:ph idx="1"/>
+          </p:nvPr>
+        </p:nvSpPr>
+        <p:spPr/>
+        <p:txBody>
+          <a:bodyPr/>
+          <a:lstStyle/>
+          <a:p>
+            <a:endParaRPr lang="en-US" dirty="0" smtClean="0"/>
+          </a:p>
+          <a:p>
+            <a:endParaRPr lang="en-US" dirty="0"/>
+          </a:p>
+          <a:p>
+            <a:pPr marL="0" indent="0" algn="ctr">
+              <a:buNone/>
+            </a:pPr>
+            <a:r>
+              <a:rPr lang="en-US" sz="3600" dirty="0" smtClean="0"/>
+              <a:t>Don’t get lost in the details</a:t>
+            </a:r>
+            <a:endParaRPr lang="en-US" sz="3600" dirty="0" smtClean="0"/>
+          </a:p>
+        </p:txBody>
+      </p:sp>
+    </p:spTree>
+    <p:extLst>
+      <p:ext uri="{BB962C8B-B14F-4D97-AF65-F5344CB8AC3E}">
+        <p14:creationId xmlns:p14="http://schemas.microsoft.com/office/powerpoint/2010/main" val="1263569603"/>
+      </p:ext>
+    </p:extLst>
+  </p:cSld>
+  <p:clrMapOvr>
+    <a:masterClrMapping/>
+  </p:clrMapOvr>
+  <p:timing>
+    <p:tnLst>
+      <p:par>
+        <p:cTn xmlns:p14="http://schemas.microsoft.com/office/powerpoint/2010/main" id="1" dur="indefinite" restart="never" nodeType="tmRoot"/>
+      </p:par>
+    </p:tnLst>
+  </p:timing>
+</p:sld>
+</file>
+
+<file path=ppt/slides/slide4.xml><?xml version="1.0" encoding="utf-8"?>
+<p:sld xmlns:a="http://schemas.openxmlformats.org/drawingml/2006/main" xmlns:r="http://schemas.openxmlformats.org/officeDocument/2006/relationships" xmlns:p="http://schemas.openxmlformats.org/presentationml/2006/main">
+  <p:cSld>
+    <p:spTree>
+      <p:nvGrpSpPr>
+        <p:cNvPr id="1" name=""/>
+        <p:cNvGrpSpPr/>
+        <p:nvPr/>
+      </p:nvGrpSpPr>
+      <p:grpSpPr>
+        <a:xfrm>
+          <a:off x="0" y="0"/>
+          <a:ext cx="0" cy="0"/>
+          <a:chOff x="0" y="0"/>
+          <a:chExt cx="0" cy="0"/>
+        </a:xfrm>
+      </p:grpSpPr>
+      <p:sp>
+        <p:nvSpPr>
+          <p:cNvPr id="2" name="Title 1"/>
+          <p:cNvSpPr>
+            <a:spLocks noGrp="1"/>
+          </p:cNvSpPr>
+          <p:nvPr>
+            <p:ph type="title"/>
+          </p:nvPr>
+        </p:nvSpPr>
+        <p:spPr/>
+        <p:txBody>
+          <a:bodyPr>
+            <a:normAutofit/>
+          </a:bodyPr>
+          <a:lstStyle/>
+          <a:p>
+            <a:endParaRPr lang="en-US" sz="6000" dirty="0"/>
+          </a:p>
+        </p:txBody>
+      </p:sp>
+      <p:sp>
+        <p:nvSpPr>
+          <p:cNvPr id="4" name="Content Placeholder 2"/>
+          <p:cNvSpPr>
+            <a:spLocks noGrp="1"/>
+          </p:cNvSpPr>
+          <p:nvPr>
+            <p:ph idx="1"/>
+          </p:nvPr>
+        </p:nvSpPr>
+        <p:spPr/>
+        <p:txBody>
+          <a:bodyPr/>
+          <a:lstStyle/>
+          <a:p>
+            <a:endParaRPr lang="en-US" dirty="0" smtClean="0"/>
+          </a:p>
+          <a:p>
+            <a:endParaRPr lang="en-US" dirty="0"/>
+          </a:p>
+          <a:p>
+            <a:pPr marL="0" indent="0" algn="ctr">
+              <a:buNone/>
+            </a:pPr>
+            <a:r>
+              <a:rPr lang="en-US" sz="3600" dirty="0" smtClean="0"/>
+              <a:t>Think at a higher level!</a:t>
+            </a:r>
+            <a:endParaRPr lang="en-US" sz="3600" dirty="0"/>
+          </a:p>
+          <a:p>
+            <a:endParaRPr lang="en-US" dirty="0" smtClean="0"/>
+          </a:p>
+        </p:txBody>
+      </p:sp>
+    </p:spTree>
+    <p:extLst>
+      <p:ext uri="{BB962C8B-B14F-4D97-AF65-F5344CB8AC3E}">
+        <p14:creationId xmlns:p14="http://schemas.microsoft.com/office/powerpoint/2010/main" val="2658567800"/>
+      </p:ext>
+    </p:extLst>
+  </p:cSld>
+  <p:clrMapOvr>
+    <a:masterClrMapping/>
+  </p:clrMapOvr>
+  <p:timing>
+    <p:tnLst>
+      <p:par>
+        <p:cTn xmlns:p14="http://schemas.microsoft.com/office/powerpoint/2010/main" id="1" dur="indefinite" restart="never" nodeType="tmRoot"/>
+      </p:par>
+    </p:tnLst>
+  </p:timing>
+</p:sld>
+</file>
+
+<file path=ppt/slides/slide5.xml><?xml version="1.0" encoding="utf-8"?>
+<p:sld xmlns:a="http://schemas.openxmlformats.org/drawingml/2006/main" xmlns:r="http://schemas.openxmlformats.org/officeDocument/2006/relationships" xmlns:p="http://schemas.openxmlformats.org/presentationml/2006/main">
+  <p:cSld>
+    <p:spTree>
+      <p:nvGrpSpPr>
+        <p:cNvPr id="1" name=""/>
+        <p:cNvGrpSpPr/>
+        <p:nvPr/>
+      </p:nvGrpSpPr>
+      <p:grpSpPr>
+        <a:xfrm>
+          <a:off x="0" y="0"/>
+          <a:ext cx="0" cy="0"/>
+          <a:chOff x="0" y="0"/>
+          <a:chExt cx="0" cy="0"/>
+        </a:xfrm>
+      </p:grpSpPr>
+      <p:sp>
+        <p:nvSpPr>
+          <p:cNvPr id="2" name="Title 1"/>
+          <p:cNvSpPr>
+            <a:spLocks noGrp="1"/>
+          </p:cNvSpPr>
+          <p:nvPr>
+            <p:ph type="title"/>
+          </p:nvPr>
+        </p:nvSpPr>
+        <p:spPr/>
+        <p:txBody>
+          <a:bodyPr>
+            <a:normAutofit/>
+          </a:bodyPr>
+          <a:lstStyle/>
+          <a:p>
+            <a:r>
+              <a:rPr lang="en-US" sz="6000" dirty="0" smtClean="0"/>
+              <a:t>Function</a:t>
+            </a:r>
+            <a:endParaRPr lang="en-US" sz="6000" dirty="0"/>
+          </a:p>
+        </p:txBody>
+      </p:sp>
+      <p:sp>
+        <p:nvSpPr>
+          <p:cNvPr id="3" name="Content Placeholder 2"/>
+          <p:cNvSpPr>
+            <a:spLocks noGrp="1"/>
+          </p:cNvSpPr>
+          <p:nvPr>
+            <p:ph idx="1"/>
+          </p:nvPr>
+        </p:nvSpPr>
+        <p:spPr>
+          <a:xfrm>
+            <a:off x="457200" y="1600200"/>
+            <a:ext cx="8229600" cy="4958976"/>
+          </a:xfrm>
+        </p:spPr>
+        <p:txBody>
+          <a:bodyPr>
+            <a:normAutofit fontScale="92500" lnSpcReduction="10000"/>
           </a:bodyPr>
           <a:lstStyle/>
           <a:p>
@@ -4353,33 +4533,7 @@
             </a:pPr>
             <a:r>
               <a:rPr lang="en-US" dirty="0" smtClean="0"/>
-              <a:t>Discover house is on fire</a:t>
-            </a:r>
-            <a:endParaRPr lang="en-US" dirty="0" smtClean="0"/>
-          </a:p>
-          <a:p>
-            <a:pPr marL="514350" indent="-514350">
-              <a:buFont typeface="+mj-lt"/>
-              <a:buAutoNum type="arabicPeriod"/>
-            </a:pPr>
-            <a:endParaRPr lang="en-US" dirty="0" smtClean="0"/>
-          </a:p>
-          <a:p>
-            <a:pPr marL="514350" indent="-514350">
-              <a:buFont typeface="+mj-lt"/>
-              <a:buAutoNum type="arabicPeriod"/>
-            </a:pPr>
-            <a:r>
-              <a:rPr lang="en-US" dirty="0" smtClean="0"/>
-              <a:t>Is </a:t>
-            </a:r>
-            <a:r>
-              <a:rPr lang="en-US" dirty="0" smtClean="0"/>
-              <a:t>it </a:t>
-            </a:r>
-            <a:r>
-              <a:rPr lang="en-US" dirty="0" smtClean="0"/>
-              <a:t>still on fire?</a:t>
+              <a:t>Define exact instructions to perform a specific task</a:t>
             </a:r>
             <a:endParaRPr lang="en-US" dirty="0" smtClean="0"/>
           </a:p>
@@ -4397,21 +4551,7 @@
             </a:pPr>
             <a:r>
               <a:rPr lang="en-US" dirty="0" smtClean="0"/>
-              <a:t>Yes? </a:t>
-            </a:r>
-          </a:p>
-          <a:p>
-            <a:pPr lvl="1"/>
-            <a:r>
-              <a:rPr lang="en-US" dirty="0" smtClean="0"/>
-              <a:t>Attempt to put it out (find water, call fire department)</a:t>
-            </a:r>
-          </a:p>
-          <a:p>
-            <a:pPr lvl="1"/>
-            <a:r>
-              <a:rPr lang="en-US" dirty="0" smtClean="0"/>
-              <a:t>Go back to 2 and recheck if it’s on fire</a:t>
+              <a:t>Name the task</a:t>
             </a:r>
             <a:endParaRPr lang="en-US" dirty="0" smtClean="0"/>
           </a:p>
@@ -4429,16 +4569,31 @@
             </a:pPr>
             <a:r>
               <a:rPr lang="en-US" dirty="0" smtClean="0"/>
-              <a:t>No? </a:t>
-            </a:r>
-          </a:p>
-          <a:p>
-            <a:pPr lvl="1"/>
+              <a:t>Call the task by name</a:t>
+            </a:r>
+          </a:p>
+          <a:p>
+            <a:pPr marL="914400" lvl="1" indent="-514350"/>
             <a:r>
               <a:rPr lang="en-US" dirty="0" smtClean="0"/>
-              <a:t>Call insurance company</a:t>
+              <a:t>Ignore the details</a:t>
             </a:r>
             <a:endParaRPr lang="en-US" dirty="0" smtClean="0"/>
+          </a:p>
+          <a:p>
+            <a:pPr marL="914400" lvl="1" indent="-514350"/>
+            <a:endParaRPr lang="en-US" dirty="0"/>
+          </a:p>
+          <a:p>
+            <a:pPr marL="514350" indent="-514350">
+              <a:buFont typeface="+mj-lt"/>
+              <a:buAutoNum type="arabicPeriod"/>
+            </a:pPr>
+            <a:r>
+              <a:rPr lang="en-US" dirty="0" smtClean="0"/>
+              <a:t>Task can be repeated without revisiting the details</a:t>
+            </a:r>
+            <a:endParaRPr lang="en-US" dirty="0"/>
           </a:p>
           <a:p>
             <a:pPr marL="514350" indent="-514350">
@@ -4447,19 +4602,12 @@
             </a:pPr>
             <a:endParaRPr lang="en-US" dirty="0"/>
           </a:p>
-          <a:p>
-            <a:pPr marL="514350" indent="-514350">
-              <a:buFont typeface="+mj-lt"/>
-              <a:buAutoNum type="arabicPeriod"/>
-            </a:pPr>
-            <a:endParaRPr lang="en-US" dirty="0"/>
-          </a:p>
         </p:txBody>
       </p:sp>
     </p:spTree>
     <p:extLst>
       <p:ext uri="{BB962C8B-B14F-4D97-AF65-F5344CB8AC3E}">
-        <p14:creationId xmlns:p14="http://schemas.microsoft.com/office/powerpoint/2010/main" val="157818915"/>
+        <p14:creationId xmlns:p14="http://schemas.microsoft.com/office/powerpoint/2010/main" val="857567105"/>
       </p:ext>
     </p:extLst>
   </p:cSld>
@@ -4615,33 +4763,15 @@
                                   </p:childTnLst>
                                 </p:cTn>
                               </p:par>
-                            </p:childTnLst>
-                          </p:cTn>
-                        </p:par>
-                      </p:childTnLst>
-                    </p:cTn>
-                  </p:par>
-                  <p:par>
-                    <p:cTn id="15" fill="hold">
-                      <p:stCondLst>
-                        <p:cond delay="indefinite"/>
-                      </p:stCondLst>
-                      <p:childTnLst>
-                        <p:par>
-                          <p:cTn id="16" fill="hold">
-                            <p:stCondLst>
-                              <p:cond delay="0"/>
-                            </p:stCondLst>
-                            <p:childTnLst>
                               <p:par>
-                                <p:cTn id="17" presetID="1" presetClass="entr" presetSubtype="0" fill="hold" grpId="0" nodeType="clickEffect">
+                                <p:cTn id="15" presetID="1" presetClass="entr" presetSubtype="0" fill="hold" grpId="0" nodeType="withEffect">
                                   <p:stCondLst>
                                     <p:cond delay="0"/>
                                   </p:stCondLst>
                                   <p:childTnLst>
                                     <p:set>
                                       <p:cBhvr>
-                                        <p:cTn id="18" dur="1" fill="hold">
+                                        <p:cTn id="16" dur="1" fill="hold">
                                           <p:stCondLst>
                                             <p:cond delay="0"/>
                                           </p:stCondLst>
@@ -4671,26 +4801,26 @@
                     </p:cTn>
                   </p:par>
                   <p:par>
-                    <p:cTn id="19" fill="hold">
+                    <p:cTn id="17" fill="hold">
                       <p:stCondLst>
                         <p:cond delay="indefinite"/>
                       </p:stCondLst>
                       <p:childTnLst>
                         <p:par>
-                          <p:cTn id="20" fill="hold">
+                          <p:cTn id="18" fill="hold">
                             <p:stCondLst>
                               <p:cond delay="0"/>
                             </p:stCondLst>
                             <p:childTnLst>
                               <p:par>
-                                <p:cTn id="21" presetID="1" presetClass="entr" presetSubtype="0" fill="hold" grpId="0" nodeType="clickEffect">
+                                <p:cTn id="19" presetID="1" presetClass="entr" presetSubtype="0" fill="hold" grpId="0" nodeType="clickEffect">
                                   <p:stCondLst>
                                     <p:cond delay="0"/>
                                   </p:stCondLst>
                                   <p:childTnLst>
                                     <p:set>
                                       <p:cBhvr>
-                                        <p:cTn id="22" dur="1" fill="hold">
+                                        <p:cTn id="20" dur="1" fill="hold">
                                           <p:stCondLst>
                                             <p:cond delay="0"/>
                                           </p:stCondLst>
@@ -4698,105 +4828,7 @@
                                         <p:tgtEl>
                                           <p:spTgt spid="3">
                                             <p:txEl>
-                                              <p:pRg st="6" end="6"/>
-                                            </p:txEl>
-                                          </p:spTgt>
-                                        </p:tgtEl>
-                                        <p:attrNameLst>
-                                          <p:attrName>style.visibility</p:attrName>
-                                        </p:attrNameLst>
-                                      </p:cBhvr>
-                                      <p:to>
-                                        <p:strVal val="visible"/>
-                                      </p:to>
-                                    </p:set>
-                                  </p:childTnLst>
-                                </p:cTn>
-                              </p:par>
-                            </p:childTnLst>
-                          </p:cTn>
-                        </p:par>
-                      </p:childTnLst>
-                    </p:cTn>
-                  </p:par>
-                  <p:par>
-                    <p:cTn id="23" fill="hold">
-                      <p:stCondLst>
-                        <p:cond delay="indefinite"/>
-                      </p:stCondLst>
-                      <p:childTnLst>
-                        <p:par>
-                          <p:cTn id="24" fill="hold">
-                            <p:stCondLst>
-                              <p:cond delay="0"/>
-                            </p:stCondLst>
-                            <p:childTnLst>
-                              <p:par>
-                                <p:cTn id="25" presetID="1" presetClass="entr" presetSubtype="0" fill="hold" grpId="0" nodeType="clickEffect">
-                                  <p:stCondLst>
-                                    <p:cond delay="0"/>
-                                  </p:stCondLst>
-                                  <p:childTnLst>
-                                    <p:set>
-                                      <p:cBhvr>
-                                        <p:cTn id="26" dur="1" fill="hold">
-                                          <p:stCondLst>
-                                            <p:cond delay="0"/>
-                                          </p:stCondLst>
-                                        </p:cTn>
-                                        <p:tgtEl>
-                                          <p:spTgt spid="3">
-                                            <p:txEl>
-                                              <p:pRg st="8" end="8"/>
-                                            </p:txEl>
-                                          </p:spTgt>
-                                        </p:tgtEl>
-                                        <p:attrNameLst>
-                                          <p:attrName>style.visibility</p:attrName>
-                                        </p:attrNameLst>
-                                      </p:cBhvr>
-                                      <p:to>
-                                        <p:strVal val="visible"/>
-                                      </p:to>
-                                    </p:set>
-                                  </p:childTnLst>
-                                </p:cTn>
-                              </p:par>
-                            </p:childTnLst>
-                          </p:cTn>
-                        </p:par>
-                      </p:childTnLst>
-                    </p:cTn>
-                  </p:par>
-                  <p:par>
-                    <p:cTn id="27" fill="hold">
-                      <p:stCondLst>
-                        <p:cond delay="indefinite"/>
-                      </p:stCondLst>
-                      <p:childTnLst>
-                        <p:par>
-                          <p:cTn id="28" fill="hold">
-                            <p:stCondLst>
-                              <p:cond delay="0"/>
-                            </p:stCondLst>
-                            <p:childTnLst>
-                              <p:par>
-                                <p:cTn id="29" presetID="1" presetClass="entr" presetSubtype="0" fill="hold" grpId="0" nodeType="clickEffect">
-                                  <p:stCondLst>
-                                    <p:cond delay="0"/>
-                                  </p:stCondLst>
-                                  <p:childTnLst>
-                                    <p:set>
-                                      <p:cBhvr>
-                                        <p:cTn id="30" dur="1" fill="hold">
-                                          <p:stCondLst>
-                                            <p:cond delay="0"/>
-                                          </p:stCondLst>
-                                        </p:cTn>
-                                        <p:tgtEl>
-                                          <p:spTgt spid="3">
-                                            <p:txEl>
-                                              <p:pRg st="9" end="9"/>
+                                              <p:pRg st="7" end="7"/>
                                             </p:txEl>
                                           </p:spTgt>
                                         </p:tgtEl>
@@ -4845,6 +4877,108 @@
 </p:sld>
 </file>
 
+<file path=ppt/slides/slide6.xml><?xml version="1.0" encoding="utf-8"?>
+<p:sld xmlns:a="http://schemas.openxmlformats.org/drawingml/2006/main" xmlns:r="http://schemas.openxmlformats.org/officeDocument/2006/relationships" xmlns:p="http://schemas.openxmlformats.org/presentationml/2006/main">
+  <p:cSld>
+    <p:spTree>
+      <p:nvGrpSpPr>
+        <p:cNvPr id="1" name=""/>
+        <p:cNvGrpSpPr/>
+        <p:nvPr/>
+      </p:nvGrpSpPr>
+      <p:grpSpPr>
+        <a:xfrm>
+          <a:off x="0" y="0"/>
+          <a:ext cx="0" cy="0"/>
+          <a:chOff x="0" y="0"/>
+          <a:chExt cx="0" cy="0"/>
+        </a:xfrm>
+      </p:grpSpPr>
+      <p:sp>
+        <p:nvSpPr>
+          <p:cNvPr id="2" name="Title 1"/>
+          <p:cNvSpPr>
+            <a:spLocks noGrp="1"/>
+          </p:cNvSpPr>
+          <p:nvPr>
+            <p:ph type="title"/>
+          </p:nvPr>
+        </p:nvSpPr>
+        <p:spPr/>
+        <p:txBody>
+          <a:bodyPr>
+            <a:normAutofit/>
+          </a:bodyPr>
+          <a:lstStyle/>
+          <a:p>
+            <a:r>
+              <a:rPr lang="en-US" sz="6000" dirty="0" smtClean="0"/>
+              <a:t>Function </a:t>
+            </a:r>
+            <a:endParaRPr lang="en-US" sz="6000" dirty="0"/>
+          </a:p>
+        </p:txBody>
+      </p:sp>
+      <p:sp>
+        <p:nvSpPr>
+          <p:cNvPr id="5" name="Content Placeholder 2"/>
+          <p:cNvSpPr>
+            <a:spLocks noGrp="1"/>
+          </p:cNvSpPr>
+          <p:nvPr>
+            <p:ph idx="1"/>
+          </p:nvPr>
+        </p:nvSpPr>
+        <p:spPr>
+          <a:xfrm>
+            <a:off x="457200" y="1600200"/>
+            <a:ext cx="8229600" cy="4525963"/>
+          </a:xfrm>
+        </p:spPr>
+        <p:txBody>
+          <a:bodyPr/>
+          <a:lstStyle/>
+          <a:p>
+            <a:endParaRPr lang="en-US" dirty="0" smtClean="0"/>
+          </a:p>
+          <a:p>
+            <a:endParaRPr lang="en-US" dirty="0"/>
+          </a:p>
+          <a:p>
+            <a:pPr marL="0" indent="0" algn="ctr">
+              <a:buNone/>
+            </a:pPr>
+            <a:r>
+              <a:rPr lang="en-US" sz="3600" dirty="0" smtClean="0"/>
+              <a:t>Drive from home to school</a:t>
+            </a:r>
+            <a:endParaRPr lang="en-US" sz="3600" dirty="0"/>
+          </a:p>
+          <a:p>
+            <a:endParaRPr lang="en-US" dirty="0" smtClean="0"/>
+          </a:p>
+        </p:txBody>
+      </p:sp>
+    </p:spTree>
+    <p:extLst>
+      <p:ext uri="{BB962C8B-B14F-4D97-AF65-F5344CB8AC3E}">
+        <p14:creationId xmlns:p14="http://schemas.microsoft.com/office/powerpoint/2010/main" val="157818915"/>
+      </p:ext>
+    </p:extLst>
+  </p:cSld>
+  <p:clrMapOvr>
+    <a:masterClrMapping/>
+  </p:clrMapOvr>
+  <p:timing>
+    <p:tnLst>
+      <p:par>
+        <p:cTn xmlns:p14="http://schemas.microsoft.com/office/powerpoint/2010/main" id="1" dur="indefinite" restart="never" nodeType="tmRoot"/>
+      </p:par>
+    </p:tnLst>
+  </p:timing>
+</p:sld>
+</file>
+
 <file path=ppt/slides/slide7.xml><?xml version="1.0" encoding="utf-8"?>
 <p:sld xmlns:a="http://schemas.openxmlformats.org/drawingml/2006/main" xmlns:r="http://schemas.openxmlformats.org/officeDocument/2006/relationships" xmlns:p="http://schemas.openxmlformats.org/presentationml/2006/main">
   <p:cSld>
@@ -4870,8 +5004,8 @@
         </p:nvSpPr>
         <p:spPr>
           <a:xfrm>
-            <a:off x="2158401" y="365461"/>
-            <a:ext cx="2040069" cy="1248186"/>
+            <a:off x="2845695" y="2621579"/>
+            <a:ext cx="3130775" cy="1367716"/>
           </a:xfrm>
           <a:prstGeom prst="roundRect">
             <a:avLst/>
@@ -4896,9 +5030,10 @@
           <a:bodyPr/>
           <a:lstStyle/>
           <a:p>
+            <a:pPr algn="ctr"/>
             <a:r>
               <a:rPr lang="en-US" sz="3200" dirty="0" smtClean="0"/>
-              <a:t>Code</a:t>
+              <a:t>Drive from home to school</a:t>
             </a:r>
             <a:endParaRPr lang="en-US" sz="3200" dirty="0"/>
           </a:p>
@@ -4906,402 +5041,31 @@
       </p:sp>
       <p:sp>
         <p:nvSpPr>
-          <p:cNvPr id="13" name="Rounded Rectangle 12"/>
-          <p:cNvSpPr/>
-          <p:nvPr/>
-        </p:nvSpPr>
-        <p:spPr>
-          <a:xfrm>
-            <a:off x="2152051" y="2065319"/>
-            <a:ext cx="2040069" cy="1248186"/>
-          </a:xfrm>
-          <a:prstGeom prst="roundRect">
-            <a:avLst/>
-          </a:prstGeom>
-          <a:ln/>
-        </p:spPr>
-        <p:style>
-          <a:lnRef idx="1">
-            <a:schemeClr val="accent1"/>
-          </a:lnRef>
-          <a:fillRef idx="3">
-            <a:schemeClr val="accent1"/>
-          </a:fillRef>
-          <a:effectRef idx="2">
-            <a:schemeClr val="accent1"/>
-          </a:effectRef>
-          <a:fontRef idx="minor">
-            <a:schemeClr val="lt1"/>
-          </a:fontRef>
-        </p:style>
-        <p:txBody>
-          <a:bodyPr/>
-          <a:lstStyle/>
-          <a:p>
-            <a:r>
-              <a:rPr lang="en-US" sz="3200" dirty="0" smtClean="0"/>
-              <a:t>Condition</a:t>
-            </a:r>
-            <a:endParaRPr lang="en-US" sz="3200" dirty="0"/>
-          </a:p>
-        </p:txBody>
-      </p:sp>
-      <p:sp>
-        <p:nvSpPr>
-          <p:cNvPr id="6" name="TextBox 5"/>
-          <p:cNvSpPr txBox="1"/>
-          <p:nvPr/>
-        </p:nvSpPr>
-        <p:spPr>
-          <a:xfrm>
-            <a:off x="4355636" y="2219811"/>
-            <a:ext cx="1531188" cy="369332"/>
-          </a:xfrm>
-          <a:prstGeom prst="rect">
-            <a:avLst/>
-          </a:prstGeom>
-          <a:noFill/>
-        </p:spPr>
-        <p:txBody>
-          <a:bodyPr wrap="none" rtlCol="0">
-            <a:spAutoFit/>
-          </a:bodyPr>
+          <p:cNvPr id="4" name="Title 3"/>
+          <p:cNvSpPr>
+            <a:spLocks noGrp="1"/>
+          </p:cNvSpPr>
+          <p:nvPr>
+            <p:ph type="title"/>
+          </p:nvPr>
+        </p:nvSpPr>
+        <p:spPr/>
+        <p:txBody>
+          <a:bodyPr/>
           <a:lstStyle/>
           <a:p>
             <a:r>
               <a:rPr lang="en-US" dirty="0" smtClean="0"/>
-              <a:t>Condition met</a:t>
-            </a:r>
-          </a:p>
-        </p:txBody>
-      </p:sp>
-      <p:cxnSp>
-        <p:nvCxnSpPr>
-          <p:cNvPr id="15" name="Elbow Connector 14"/>
-          <p:cNvCxnSpPr>
-            <a:stCxn id="13" idx="3"/>
-          </p:cNvCxnSpPr>
-          <p:nvPr/>
-        </p:nvCxnSpPr>
-        <p:spPr>
-          <a:xfrm>
-            <a:off x="4192120" y="2689412"/>
-            <a:ext cx="1688353" cy="755575"/>
-          </a:xfrm>
-          <a:prstGeom prst="bentConnector3">
-            <a:avLst>
-              <a:gd name="adj1" fmla="val 100443"/>
-            </a:avLst>
-          </a:prstGeom>
-          <a:ln>
-            <a:tailEnd type="arrow"/>
-          </a:ln>
-        </p:spPr>
-        <p:style>
-          <a:lnRef idx="2">
-            <a:schemeClr val="accent1"/>
-          </a:lnRef>
-          <a:fillRef idx="0">
-            <a:schemeClr val="accent1"/>
-          </a:fillRef>
-          <a:effectRef idx="1">
-            <a:schemeClr val="accent1"/>
-          </a:effectRef>
-          <a:fontRef idx="minor">
-            <a:schemeClr val="tx1"/>
-          </a:fontRef>
-        </p:style>
-      </p:cxnSp>
-      <p:sp>
-        <p:nvSpPr>
-          <p:cNvPr id="23" name="Rounded Rectangle 22"/>
-          <p:cNvSpPr/>
-          <p:nvPr/>
-        </p:nvSpPr>
-        <p:spPr>
-          <a:xfrm>
-            <a:off x="4866788" y="3444987"/>
-            <a:ext cx="2040069" cy="1248186"/>
-          </a:xfrm>
-          <a:prstGeom prst="roundRect">
-            <a:avLst/>
-          </a:prstGeom>
-          <a:ln/>
-        </p:spPr>
-        <p:style>
-          <a:lnRef idx="1">
-            <a:schemeClr val="accent1"/>
-          </a:lnRef>
-          <a:fillRef idx="3">
-            <a:schemeClr val="accent1"/>
-          </a:fillRef>
-          <a:effectRef idx="2">
-            <a:schemeClr val="accent1"/>
-          </a:effectRef>
-          <a:fontRef idx="minor">
-            <a:schemeClr val="lt1"/>
-          </a:fontRef>
-        </p:style>
-        <p:txBody>
-          <a:bodyPr/>
-          <a:lstStyle/>
-          <a:p>
-            <a:r>
-              <a:rPr lang="en-US" sz="3200" dirty="0" smtClean="0"/>
-              <a:t>Repeated Code</a:t>
-            </a:r>
-            <a:endParaRPr lang="en-US" sz="3200" dirty="0"/>
-          </a:p>
-        </p:txBody>
-      </p:sp>
-      <p:sp>
-        <p:nvSpPr>
-          <p:cNvPr id="24" name="Rounded Rectangle 23"/>
-          <p:cNvSpPr/>
-          <p:nvPr/>
-        </p:nvSpPr>
-        <p:spPr>
-          <a:xfrm>
-            <a:off x="2158403" y="5286936"/>
-            <a:ext cx="2033718" cy="1248186"/>
-          </a:xfrm>
-          <a:prstGeom prst="roundRect">
-            <a:avLst/>
-          </a:prstGeom>
-          <a:ln/>
-        </p:spPr>
-        <p:style>
-          <a:lnRef idx="1">
-            <a:schemeClr val="accent1"/>
-          </a:lnRef>
-          <a:fillRef idx="3">
-            <a:schemeClr val="accent1"/>
-          </a:fillRef>
-          <a:effectRef idx="2">
-            <a:schemeClr val="accent1"/>
-          </a:effectRef>
-          <a:fontRef idx="minor">
-            <a:schemeClr val="lt1"/>
-          </a:fontRef>
-        </p:style>
-        <p:txBody>
-          <a:bodyPr/>
-          <a:lstStyle/>
-          <a:p>
-            <a:r>
-              <a:rPr lang="en-US" sz="3200" dirty="0" smtClean="0"/>
-              <a:t>Code</a:t>
-            </a:r>
-            <a:endParaRPr lang="en-US" sz="3200" dirty="0"/>
-          </a:p>
-        </p:txBody>
-      </p:sp>
-      <p:cxnSp>
-        <p:nvCxnSpPr>
-          <p:cNvPr id="26" name="Elbow Connector 25"/>
-          <p:cNvCxnSpPr>
-            <a:stCxn id="23" idx="2"/>
-          </p:cNvCxnSpPr>
-          <p:nvPr/>
-        </p:nvCxnSpPr>
-        <p:spPr>
-          <a:xfrm rot="16200000" flipH="1">
-            <a:off x="6776645" y="3803350"/>
-            <a:ext cx="282239" cy="2061883"/>
-          </a:xfrm>
-          <a:prstGeom prst="bentConnector2">
-            <a:avLst/>
-          </a:prstGeom>
-          <a:ln>
-            <a:tailEnd type="arrow"/>
-          </a:ln>
-        </p:spPr>
-        <p:style>
-          <a:lnRef idx="2">
-            <a:schemeClr val="accent1"/>
-          </a:lnRef>
-          <a:fillRef idx="0">
-            <a:schemeClr val="accent1"/>
-          </a:fillRef>
-          <a:effectRef idx="1">
-            <a:schemeClr val="accent1"/>
-          </a:effectRef>
-          <a:fontRef idx="minor">
-            <a:schemeClr val="tx1"/>
-          </a:fontRef>
-        </p:style>
-      </p:cxnSp>
-      <p:cxnSp>
-        <p:nvCxnSpPr>
-          <p:cNvPr id="29" name="Elbow Connector 28"/>
-          <p:cNvCxnSpPr>
-            <a:stCxn id="13" idx="2"/>
-            <a:endCxn id="24" idx="0"/>
-          </p:cNvCxnSpPr>
-          <p:nvPr/>
-        </p:nvCxnSpPr>
-        <p:spPr>
-          <a:xfrm rot="16200000" flipH="1">
-            <a:off x="2186959" y="4298632"/>
-            <a:ext cx="1973431" cy="3176"/>
-          </a:xfrm>
-          <a:prstGeom prst="bentConnector3">
-            <a:avLst/>
-          </a:prstGeom>
-          <a:ln>
-            <a:tailEnd type="arrow"/>
-          </a:ln>
-        </p:spPr>
-        <p:style>
-          <a:lnRef idx="2">
-            <a:schemeClr val="accent1"/>
-          </a:lnRef>
-          <a:fillRef idx="0">
-            <a:schemeClr val="accent1"/>
-          </a:fillRef>
-          <a:effectRef idx="1">
-            <a:schemeClr val="accent1"/>
-          </a:effectRef>
-          <a:fontRef idx="minor">
-            <a:schemeClr val="tx1"/>
-          </a:fontRef>
-        </p:style>
-      </p:cxnSp>
-      <p:sp>
-        <p:nvSpPr>
-          <p:cNvPr id="32" name="TextBox 31"/>
-          <p:cNvSpPr txBox="1"/>
-          <p:nvPr/>
-        </p:nvSpPr>
-        <p:spPr>
-          <a:xfrm>
-            <a:off x="1078753" y="3818070"/>
-            <a:ext cx="1903085" cy="369332"/>
-          </a:xfrm>
-          <a:prstGeom prst="rect">
-            <a:avLst/>
-          </a:prstGeom>
-          <a:noFill/>
-        </p:spPr>
-        <p:txBody>
-          <a:bodyPr wrap="none" rtlCol="0">
-            <a:spAutoFit/>
-          </a:bodyPr>
-          <a:lstStyle/>
-          <a:p>
-            <a:r>
-              <a:rPr lang="en-US" dirty="0" smtClean="0"/>
-              <a:t>Condition not met</a:t>
-            </a:r>
-          </a:p>
-        </p:txBody>
-      </p:sp>
-      <p:cxnSp>
-        <p:nvCxnSpPr>
-          <p:cNvPr id="34" name="Straight Arrow Connector 33"/>
-          <p:cNvCxnSpPr>
-            <a:stCxn id="12" idx="2"/>
-            <a:endCxn id="13" idx="0"/>
-          </p:cNvCxnSpPr>
-          <p:nvPr/>
-        </p:nvCxnSpPr>
-        <p:spPr>
-          <a:xfrm flipH="1">
-            <a:off x="3172086" y="1613647"/>
-            <a:ext cx="6350" cy="451672"/>
-          </a:xfrm>
-          <a:prstGeom prst="straightConnector1">
-            <a:avLst/>
-          </a:prstGeom>
-          <a:ln>
-            <a:tailEnd type="arrow"/>
-          </a:ln>
-        </p:spPr>
-        <p:style>
-          <a:lnRef idx="2">
-            <a:schemeClr val="accent1"/>
-          </a:lnRef>
-          <a:fillRef idx="0">
-            <a:schemeClr val="accent1"/>
-          </a:fillRef>
-          <a:effectRef idx="1">
-            <a:schemeClr val="accent1"/>
-          </a:effectRef>
-          <a:fontRef idx="minor">
-            <a:schemeClr val="tx1"/>
-          </a:fontRef>
-        </p:style>
-      </p:cxnSp>
-      <p:cxnSp>
-        <p:nvCxnSpPr>
-          <p:cNvPr id="7" name="Straight Arrow Connector 6"/>
-          <p:cNvCxnSpPr/>
-          <p:nvPr/>
-        </p:nvCxnSpPr>
-        <p:spPr>
-          <a:xfrm flipV="1">
-            <a:off x="7948706" y="1837765"/>
-            <a:ext cx="0" cy="3137646"/>
-          </a:xfrm>
-          <a:prstGeom prst="straightConnector1">
-            <a:avLst/>
-          </a:prstGeom>
-          <a:ln>
-            <a:tailEnd type="arrow"/>
-          </a:ln>
-        </p:spPr>
-        <p:style>
-          <a:lnRef idx="2">
-            <a:schemeClr val="accent1"/>
-          </a:lnRef>
-          <a:fillRef idx="0">
-            <a:schemeClr val="accent1"/>
-          </a:fillRef>
-          <a:effectRef idx="1">
-            <a:schemeClr val="accent1"/>
-          </a:effectRef>
-          <a:fontRef idx="minor">
-            <a:schemeClr val="tx1"/>
-          </a:fontRef>
-        </p:style>
-      </p:cxnSp>
-      <p:cxnSp>
-        <p:nvCxnSpPr>
-          <p:cNvPr id="9" name="Straight Arrow Connector 8"/>
-          <p:cNvCxnSpPr/>
-          <p:nvPr/>
-        </p:nvCxnSpPr>
-        <p:spPr>
-          <a:xfrm flipH="1">
-            <a:off x="3178437" y="1837765"/>
-            <a:ext cx="4770269" cy="0"/>
-          </a:xfrm>
-          <a:prstGeom prst="straightConnector1">
-            <a:avLst/>
-          </a:prstGeom>
-          <a:ln>
-            <a:tailEnd type="arrow"/>
-          </a:ln>
-        </p:spPr>
-        <p:style>
-          <a:lnRef idx="2">
-            <a:schemeClr val="accent1"/>
-          </a:lnRef>
-          <a:fillRef idx="0">
-            <a:schemeClr val="accent1"/>
-          </a:fillRef>
-          <a:effectRef idx="1">
-            <a:schemeClr val="accent1"/>
-          </a:effectRef>
-          <a:fontRef idx="minor">
-            <a:schemeClr val="tx1"/>
-          </a:fontRef>
-        </p:style>
-      </p:cxnSp>
+              <a:t>As a Function</a:t>
+            </a:r>
+            <a:endParaRPr lang="en-US" dirty="0"/>
+          </a:p>
+        </p:txBody>
+      </p:sp>
     </p:spTree>
     <p:extLst>
       <p:ext uri="{BB962C8B-B14F-4D97-AF65-F5344CB8AC3E}">
-        <p14:creationId xmlns:p14="http://schemas.microsoft.com/office/powerpoint/2010/main" val="3484768931"/>
+        <p14:creationId xmlns:p14="http://schemas.microsoft.com/office/powerpoint/2010/main" val="3432678935"/>
       </p:ext>
     </p:extLst>
   </p:cSld>
@@ -5343,8 +5107,8 @@
         </p:nvSpPr>
         <p:spPr>
           <a:xfrm>
-            <a:off x="2158401" y="365461"/>
-            <a:ext cx="2040069" cy="1248186"/>
+            <a:off x="2818801" y="5827059"/>
+            <a:ext cx="3130775" cy="657412"/>
           </a:xfrm>
           <a:prstGeom prst="roundRect">
             <a:avLst/>
@@ -5369,24 +5133,47 @@
           <a:bodyPr/>
           <a:lstStyle/>
           <a:p>
+            <a:pPr algn="ctr"/>
             <a:r>
               <a:rPr lang="en-US" sz="3200" dirty="0" smtClean="0"/>
-              <a:t>House on fire</a:t>
-            </a:r>
-            <a:endParaRPr lang="en-US" sz="3200" dirty="0"/>
-          </a:p>
-        </p:txBody>
-      </p:sp>
-      <p:sp>
-        <p:nvSpPr>
-          <p:cNvPr id="13" name="Rounded Rectangle 12"/>
+              <a:t>Exit Car</a:t>
+            </a:r>
+          </a:p>
+        </p:txBody>
+      </p:sp>
+      <p:sp>
+        <p:nvSpPr>
+          <p:cNvPr id="4" name="Title 3"/>
+          <p:cNvSpPr>
+            <a:spLocks noGrp="1"/>
+          </p:cNvSpPr>
+          <p:nvPr>
+            <p:ph type="title"/>
+          </p:nvPr>
+        </p:nvSpPr>
+        <p:spPr/>
+        <p:txBody>
+          <a:bodyPr/>
+          <a:lstStyle/>
+          <a:p>
+            <a:r>
+              <a:rPr lang="en-US" dirty="0" smtClean="0"/>
+              <a:t>As a combination of Functions</a:t>
+            </a:r>
+            <a:endParaRPr lang="en-US" dirty="0"/>
+          </a:p>
+        </p:txBody>
+      </p:sp>
+      <p:sp>
+        <p:nvSpPr>
+          <p:cNvPr id="5" name="Rounded Rectangle 4"/>
           <p:cNvSpPr/>
           <p:nvPr/>
         </p:nvSpPr>
         <p:spPr>
           <a:xfrm>
-            <a:off x="2152051" y="2065319"/>
-            <a:ext cx="2040069" cy="1248186"/>
+            <a:off x="2818801" y="1590348"/>
+            <a:ext cx="3130775" cy="674127"/>
           </a:xfrm>
           <a:prstGeom prst="roundRect">
             <a:avLst/>
@@ -5411,9 +5198,10 @@
           <a:bodyPr/>
           <a:lstStyle/>
           <a:p>
+            <a:pPr algn="ctr"/>
             <a:r>
               <a:rPr lang="en-US" sz="3200" dirty="0" smtClean="0"/>
-              <a:t>Is house on fire?</a:t>
+              <a:t>Enter Car</a:t>
             </a:r>
             <a:endParaRPr lang="en-US" sz="3200" dirty="0"/>
           </a:p>
@@ -5421,80 +5209,14 @@
       </p:sp>
       <p:sp>
         <p:nvSpPr>
-          <p:cNvPr id="6" name="TextBox 5"/>
-          <p:cNvSpPr txBox="1"/>
-          <p:nvPr/>
-        </p:nvSpPr>
-        <p:spPr>
-          <a:xfrm>
-            <a:off x="4355636" y="2219811"/>
-            <a:ext cx="1531188" cy="369332"/>
-          </a:xfrm>
-          <a:prstGeom prst="rect">
-            <a:avLst/>
-          </a:prstGeom>
-          <a:noFill/>
-        </p:spPr>
-        <p:txBody>
-          <a:bodyPr wrap="none" rtlCol="0">
-            <a:spAutoFit/>
-          </a:bodyPr>
-          <a:lstStyle/>
-          <a:p>
-            <a:r>
-              <a:rPr lang="en-US" dirty="0" smtClean="0"/>
-              <a:t>Condition met</a:t>
-            </a:r>
-          </a:p>
-        </p:txBody>
-      </p:sp>
-      <p:cxnSp>
-        <p:nvCxnSpPr>
-          <p:cNvPr id="15" name="Elbow Connector 14"/>
-          <p:cNvCxnSpPr>
-            <a:stCxn id="13" idx="3"/>
-          </p:cNvCxnSpPr>
-          <p:nvPr/>
-        </p:nvCxnSpPr>
-        <p:spPr>
-          <a:xfrm>
-            <a:off x="4192120" y="2689412"/>
-            <a:ext cx="1688353" cy="755575"/>
-          </a:xfrm>
-          <a:prstGeom prst="bentConnector3">
-            <a:avLst>
-              <a:gd name="adj1" fmla="val 100443"/>
-            </a:avLst>
-          </a:prstGeom>
-          <a:ln>
-            <a:tailEnd type="arrow"/>
-          </a:ln>
-        </p:spPr>
-        <p:style>
-          <a:lnRef idx="2">
-            <a:schemeClr val="accent1"/>
-          </a:lnRef>
-          <a:fillRef idx="0">
-            <a:schemeClr val="accent1"/>
-          </a:fillRef>
-          <a:effectRef idx="1">
-            <a:schemeClr val="accent1"/>
-          </a:effectRef>
-          <a:fontRef idx="minor">
-            <a:schemeClr val="tx1"/>
-          </a:fontRef>
-        </p:style>
-      </p:cxnSp>
-      <p:sp>
-        <p:nvSpPr>
-          <p:cNvPr id="23" name="Rounded Rectangle 22"/>
+          <p:cNvPr id="6" name="Rounded Rectangle 5"/>
           <p:cNvSpPr/>
           <p:nvPr/>
         </p:nvSpPr>
         <p:spPr>
           <a:xfrm>
-            <a:off x="4601882" y="3444987"/>
-            <a:ext cx="2304975" cy="1530424"/>
+            <a:off x="2818801" y="2400160"/>
+            <a:ext cx="3130775" cy="674127"/>
           </a:xfrm>
           <a:prstGeom prst="roundRect">
             <a:avLst/>
@@ -5519,13 +5241,10 @@
           <a:bodyPr/>
           <a:lstStyle/>
           <a:p>
+            <a:pPr algn="ctr"/>
             <a:r>
               <a:rPr lang="en-US" sz="3200" dirty="0" smtClean="0"/>
-              <a:t>Attempt to p</a:t>
-            </a:r>
-            <a:r>
-              <a:rPr lang="en-US" sz="3200" dirty="0" smtClean="0"/>
-              <a:t>ut out fire</a:t>
+              <a:t>Start Car</a:t>
             </a:r>
             <a:endParaRPr lang="en-US" sz="3200" dirty="0"/>
           </a:p>
@@ -5533,14 +5252,14 @@
       </p:sp>
       <p:sp>
         <p:nvSpPr>
-          <p:cNvPr id="24" name="Rounded Rectangle 23"/>
+          <p:cNvPr id="7" name="Rounded Rectangle 6"/>
           <p:cNvSpPr/>
           <p:nvPr/>
         </p:nvSpPr>
         <p:spPr>
           <a:xfrm>
-            <a:off x="2158401" y="5286936"/>
-            <a:ext cx="2040069" cy="1248186"/>
+            <a:off x="2818801" y="3276321"/>
+            <a:ext cx="3130775" cy="674127"/>
           </a:xfrm>
           <a:prstGeom prst="roundRect">
             <a:avLst/>
@@ -5565,9 +5284,96 @@
           <a:bodyPr/>
           <a:lstStyle/>
           <a:p>
+            <a:pPr algn="ctr"/>
             <a:r>
               <a:rPr lang="en-US" sz="3200" dirty="0" smtClean="0"/>
-              <a:t>Call insurance</a:t>
+              <a:t>Commute</a:t>
+            </a:r>
+            <a:endParaRPr lang="en-US" sz="3200" dirty="0"/>
+          </a:p>
+        </p:txBody>
+      </p:sp>
+      <p:sp>
+        <p:nvSpPr>
+          <p:cNvPr id="8" name="Rounded Rectangle 7"/>
+          <p:cNvSpPr/>
+          <p:nvPr/>
+        </p:nvSpPr>
+        <p:spPr>
+          <a:xfrm>
+            <a:off x="2818801" y="4132730"/>
+            <a:ext cx="3130775" cy="674127"/>
+          </a:xfrm>
+          <a:prstGeom prst="roundRect">
+            <a:avLst/>
+          </a:prstGeom>
+          <a:ln/>
+        </p:spPr>
+        <p:style>
+          <a:lnRef idx="1">
+            <a:schemeClr val="accent1"/>
+          </a:lnRef>
+          <a:fillRef idx="3">
+            <a:schemeClr val="accent1"/>
+          </a:fillRef>
+          <a:effectRef idx="2">
+            <a:schemeClr val="accent1"/>
+          </a:effectRef>
+          <a:fontRef idx="minor">
+            <a:schemeClr val="lt1"/>
+          </a:fontRef>
+        </p:style>
+        <p:txBody>
+          <a:bodyPr/>
+          <a:lstStyle/>
+          <a:p>
+            <a:pPr algn="ctr"/>
+            <a:r>
+              <a:rPr lang="en-US" sz="3200" dirty="0" smtClean="0"/>
+              <a:t>Park</a:t>
+            </a:r>
+            <a:endParaRPr lang="en-US" sz="3200" dirty="0"/>
+          </a:p>
+        </p:txBody>
+      </p:sp>
+      <p:sp>
+        <p:nvSpPr>
+          <p:cNvPr id="9" name="Rounded Rectangle 8"/>
+          <p:cNvSpPr/>
+          <p:nvPr/>
+        </p:nvSpPr>
+        <p:spPr>
+          <a:xfrm>
+            <a:off x="2818801" y="4959257"/>
+            <a:ext cx="3130775" cy="674127"/>
+          </a:xfrm>
+          <a:prstGeom prst="roundRect">
+            <a:avLst/>
+          </a:prstGeom>
+          <a:ln/>
+        </p:spPr>
+        <p:style>
+          <a:lnRef idx="1">
+            <a:schemeClr val="accent1"/>
+          </a:lnRef>
+          <a:fillRef idx="3">
+            <a:schemeClr val="accent1"/>
+          </a:fillRef>
+          <a:effectRef idx="2">
+            <a:schemeClr val="accent1"/>
+          </a:effectRef>
+          <a:fontRef idx="minor">
+            <a:schemeClr val="lt1"/>
+          </a:fontRef>
+        </p:style>
+        <p:txBody>
+          <a:bodyPr/>
+          <a:lstStyle/>
+          <a:p>
+            <a:pPr algn="ctr"/>
+            <a:r>
+              <a:rPr lang="en-US" sz="3200" dirty="0" smtClean="0"/>
+              <a:t>Turn Car Off</a:t>
             </a:r>
             <a:endParaRPr lang="en-US" sz="3200" dirty="0"/>
           </a:p>
@@ -5575,82 +5381,17 @@
       </p:sp>
       <p:cxnSp>
         <p:nvCxnSpPr>
-          <p:cNvPr id="29" name="Elbow Connector 28"/>
+          <p:cNvPr id="3" name="Straight Arrow Connector 2"/>
           <p:cNvCxnSpPr>
-            <a:stCxn id="13" idx="2"/>
-            <a:endCxn id="24" idx="0"/>
+            <a:stCxn id="5" idx="2"/>
+            <a:endCxn id="6" idx="0"/>
           </p:cNvCxnSpPr>
           <p:nvPr/>
         </p:nvCxnSpPr>
         <p:spPr>
-          <a:xfrm rot="16200000" flipH="1">
-            <a:off x="2188546" y="4297045"/>
-            <a:ext cx="1973431" cy="6350"/>
-          </a:xfrm>
-          <a:prstGeom prst="bentConnector3">
-            <a:avLst/>
-          </a:prstGeom>
-          <a:ln>
-            <a:tailEnd type="arrow"/>
-          </a:ln>
-        </p:spPr>
-        <p:style>
-          <a:lnRef idx="2">
-            <a:schemeClr val="accent1"/>
-          </a:lnRef>
-          <a:fillRef idx="0">
-            <a:schemeClr val="accent1"/>
-          </a:fillRef>
-          <a:effectRef idx="1">
-            <a:schemeClr val="accent1"/>
-          </a:effectRef>
-          <a:fontRef idx="minor">
-            <a:schemeClr val="tx1"/>
-          </a:fontRef>
-        </p:style>
-      </p:cxnSp>
-      <p:sp>
-        <p:nvSpPr>
-          <p:cNvPr id="32" name="TextBox 31"/>
-          <p:cNvSpPr txBox="1"/>
-          <p:nvPr/>
-        </p:nvSpPr>
-        <p:spPr>
-          <a:xfrm>
-            <a:off x="1078753" y="3818070"/>
-            <a:ext cx="1903085" cy="369332"/>
-          </a:xfrm>
-          <a:prstGeom prst="rect">
-            <a:avLst/>
-          </a:prstGeom>
-          <a:noFill/>
-        </p:spPr>
-        <p:txBody>
-          <a:bodyPr wrap="none" rtlCol="0">
-            <a:spAutoFit/>
-          </a:bodyPr>
-          <a:lstStyle/>
-          <a:p>
-            <a:r>
-              <a:rPr lang="en-US" dirty="0" smtClean="0"/>
-              <a:t>Condition not met</a:t>
-            </a:r>
-          </a:p>
-        </p:txBody>
-      </p:sp>
-      <p:cxnSp>
-        <p:nvCxnSpPr>
-          <p:cNvPr id="34" name="Straight Arrow Connector 33"/>
-          <p:cNvCxnSpPr>
-            <a:stCxn id="12" idx="2"/>
-            <a:endCxn id="13" idx="0"/>
-          </p:cNvCxnSpPr>
-          <p:nvPr/>
-        </p:nvCxnSpPr>
-        <p:spPr>
-          <a:xfrm flipH="1">
-            <a:off x="3172086" y="1613647"/>
-            <a:ext cx="6350" cy="451672"/>
+          <a:xfrm>
+            <a:off x="4384189" y="2264475"/>
+            <a:ext cx="0" cy="135685"/>
           </a:xfrm>
           <a:prstGeom prst="straightConnector1">
             <a:avLst/>
@@ -5676,14 +5417,17 @@
       </p:cxnSp>
       <p:cxnSp>
         <p:nvCxnSpPr>
-          <p:cNvPr id="7" name="Straight Arrow Connector 6"/>
-          <p:cNvCxnSpPr/>
+          <p:cNvPr id="13" name="Straight Arrow Connector 12"/>
+          <p:cNvCxnSpPr>
+            <a:stCxn id="6" idx="2"/>
+            <a:endCxn id="7" idx="0"/>
+          </p:cNvCxnSpPr>
           <p:nvPr/>
         </p:nvCxnSpPr>
         <p:spPr>
-          <a:xfrm flipV="1">
-            <a:off x="7948706" y="1837765"/>
-            <a:ext cx="0" cy="2373167"/>
+          <a:xfrm>
+            <a:off x="4384189" y="3074287"/>
+            <a:ext cx="0" cy="202034"/>
           </a:xfrm>
           <a:prstGeom prst="straightConnector1">
             <a:avLst/>
@@ -5709,14 +5453,17 @@
       </p:cxnSp>
       <p:cxnSp>
         <p:nvCxnSpPr>
-          <p:cNvPr id="9" name="Straight Arrow Connector 8"/>
-          <p:cNvCxnSpPr/>
+          <p:cNvPr id="15" name="Straight Arrow Connector 14"/>
+          <p:cNvCxnSpPr>
+            <a:stCxn id="7" idx="2"/>
+            <a:endCxn id="8" idx="0"/>
+          </p:cNvCxnSpPr>
           <p:nvPr/>
         </p:nvCxnSpPr>
         <p:spPr>
-          <a:xfrm flipH="1">
-            <a:off x="3178437" y="1837765"/>
-            <a:ext cx="4770269" cy="0"/>
+          <a:xfrm>
+            <a:off x="4384189" y="3950448"/>
+            <a:ext cx="0" cy="182282"/>
           </a:xfrm>
           <a:prstGeom prst="straightConnector1">
             <a:avLst/>
@@ -5742,16 +5489,53 @@
       </p:cxnSp>
       <p:cxnSp>
         <p:nvCxnSpPr>
-          <p:cNvPr id="10" name="Straight Arrow Connector 9"/>
+          <p:cNvPr id="17" name="Straight Arrow Connector 16"/>
           <p:cNvCxnSpPr>
-            <a:stCxn id="23" idx="3"/>
+            <a:stCxn id="8" idx="2"/>
+            <a:endCxn id="9" idx="0"/>
           </p:cNvCxnSpPr>
           <p:nvPr/>
         </p:nvCxnSpPr>
         <p:spPr>
           <a:xfrm>
-            <a:off x="6906857" y="4210199"/>
-            <a:ext cx="1041849" cy="733"/>
+            <a:off x="4384189" y="4806857"/>
+            <a:ext cx="0" cy="152400"/>
+          </a:xfrm>
+          <a:prstGeom prst="straightConnector1">
+            <a:avLst/>
+          </a:prstGeom>
+          <a:ln>
+            <a:tailEnd type="arrow"/>
+          </a:ln>
+        </p:spPr>
+        <p:style>
+          <a:lnRef idx="2">
+            <a:schemeClr val="accent1"/>
+          </a:lnRef>
+          <a:fillRef idx="0">
+            <a:schemeClr val="accent1"/>
+          </a:fillRef>
+          <a:effectRef idx="1">
+            <a:schemeClr val="accent1"/>
+          </a:effectRef>
+          <a:fontRef idx="minor">
+            <a:schemeClr val="tx1"/>
+          </a:fontRef>
+        </p:style>
+      </p:cxnSp>
+      <p:cxnSp>
+        <p:nvCxnSpPr>
+          <p:cNvPr id="19" name="Straight Arrow Connector 18"/>
+          <p:cNvCxnSpPr>
+            <a:stCxn id="9" idx="2"/>
+            <a:endCxn id="12" idx="0"/>
+          </p:cNvCxnSpPr>
+          <p:nvPr/>
+        </p:nvCxnSpPr>
+        <p:spPr>
+          <a:xfrm>
+            <a:off x="4384189" y="5633384"/>
+            <a:ext cx="0" cy="193675"/>
           </a:xfrm>
           <a:prstGeom prst="straightConnector1">
             <a:avLst/>
@@ -5778,7 +5562,7 @@
     </p:spTree>
     <p:extLst>
       <p:ext uri="{BB962C8B-B14F-4D97-AF65-F5344CB8AC3E}">
-        <p14:creationId xmlns:p14="http://schemas.microsoft.com/office/powerpoint/2010/main" val="3484768931"/>
+        <p14:creationId xmlns:p14="http://schemas.microsoft.com/office/powerpoint/2010/main" val="586374711"/>
       </p:ext>
     </p:extLst>
   </p:cSld>
@@ -5814,7 +5598,7 @@
       </p:grpSpPr>
       <p:sp>
         <p:nvSpPr>
-          <p:cNvPr id="2" name="Title 1"/>
+          <p:cNvPr id="4" name="Title 3"/>
           <p:cNvSpPr>
             <a:spLocks noGrp="1"/>
           </p:cNvSpPr>
@@ -5829,7 +5613,7 @@
           <a:p>
             <a:r>
               <a:rPr lang="en-US" dirty="0" smtClean="0"/>
-              <a:t>Decisions need to be made</a:t>
+              <a:t>Without Functions</a:t>
             </a:r>
             <a:endParaRPr lang="en-US" dirty="0"/>
           </a:p>
@@ -5837,110 +5621,1893 @@
       </p:sp>
       <p:sp>
         <p:nvSpPr>
-          <p:cNvPr id="3" name="Content Placeholder 2"/>
-          <p:cNvSpPr>
-            <a:spLocks noGrp="1"/>
-          </p:cNvSpPr>
-          <p:nvPr>
-            <p:ph idx="1"/>
-          </p:nvPr>
-        </p:nvSpPr>
-        <p:spPr>
-          <a:xfrm>
-            <a:off x="457200" y="1600200"/>
-            <a:ext cx="8229600" cy="5123329"/>
-          </a:xfrm>
-        </p:spPr>
-        <p:txBody>
-          <a:bodyPr>
-            <a:normAutofit fontScale="92500" lnSpcReduction="20000"/>
-          </a:bodyPr>
-          <a:lstStyle/>
-          <a:p>
-            <a:r>
-              <a:rPr lang="en-US" dirty="0" smtClean="0"/>
-              <a:t>How many times to run the code?</a:t>
-            </a:r>
-            <a:endParaRPr lang="en-US" dirty="0" smtClean="0"/>
-          </a:p>
-          <a:p>
-            <a:endParaRPr lang="en-US" dirty="0"/>
-          </a:p>
-          <a:p>
-            <a:r>
-              <a:rPr lang="en-US" dirty="0" smtClean="0"/>
-              <a:t>Run any number of times from 0 to infinity</a:t>
-            </a:r>
-          </a:p>
-          <a:p>
-            <a:pPr lvl="1"/>
-            <a:r>
-              <a:rPr lang="en-US" dirty="0" smtClean="0"/>
-              <a:t>Avoid infinite loops where condition is always met</a:t>
-            </a:r>
-            <a:endParaRPr lang="en-US" dirty="0" smtClean="0"/>
-          </a:p>
-          <a:p>
-            <a:endParaRPr lang="en-US" dirty="0"/>
-          </a:p>
-          <a:p>
-            <a:r>
-              <a:rPr lang="en-US" dirty="0" smtClean="0"/>
-              <a:t>Use a </a:t>
-            </a:r>
-            <a:r>
-              <a:rPr lang="en-US" dirty="0" err="1" smtClean="0"/>
-              <a:t>boolean</a:t>
-            </a:r>
-            <a:r>
-              <a:rPr lang="en-US" dirty="0" smtClean="0"/>
-              <a:t> value/expression to decide</a:t>
-            </a:r>
-          </a:p>
-          <a:p>
-            <a:endParaRPr lang="en-US" dirty="0"/>
-          </a:p>
-          <a:p>
-            <a:r>
-              <a:rPr lang="en-US" dirty="0" smtClean="0"/>
-              <a:t>The action taken in the loop should have an impact on the </a:t>
-            </a:r>
-            <a:r>
-              <a:rPr lang="en-US" dirty="0" err="1" smtClean="0"/>
-              <a:t>boolean</a:t>
-            </a:r>
-            <a:r>
-              <a:rPr lang="en-US" dirty="0" smtClean="0"/>
-              <a:t> value/expression</a:t>
-            </a:r>
-            <a:endParaRPr lang="en-US" dirty="0" smtClean="0"/>
-          </a:p>
-          <a:p>
-            <a:endParaRPr lang="en-US" dirty="0"/>
-          </a:p>
-          <a:p>
-            <a:r>
-              <a:rPr lang="en-US" dirty="0"/>
-              <a:t>Optional code may contain more </a:t>
-            </a:r>
-            <a:r>
-              <a:rPr lang="en-US" dirty="0" smtClean="0"/>
-              <a:t>loops</a:t>
-            </a:r>
-            <a:endParaRPr lang="en-US" dirty="0" smtClean="0"/>
-          </a:p>
-          <a:p>
-            <a:endParaRPr lang="en-US" dirty="0"/>
-          </a:p>
-          <a:p>
-            <a:endParaRPr lang="en-US" dirty="0"/>
-          </a:p>
-        </p:txBody>
-      </p:sp>
+          <p:cNvPr id="5" name="Rounded Rectangle 4"/>
+          <p:cNvSpPr/>
+          <p:nvPr/>
+        </p:nvSpPr>
+        <p:spPr>
+          <a:xfrm>
+            <a:off x="442259" y="1590348"/>
+            <a:ext cx="2172447" cy="531299"/>
+          </a:xfrm>
+          <a:prstGeom prst="roundRect">
+            <a:avLst/>
+          </a:prstGeom>
+          <a:ln/>
+        </p:spPr>
+        <p:style>
+          <a:lnRef idx="1">
+            <a:schemeClr val="accent1"/>
+          </a:lnRef>
+          <a:fillRef idx="3">
+            <a:schemeClr val="accent1"/>
+          </a:fillRef>
+          <a:effectRef idx="2">
+            <a:schemeClr val="accent1"/>
+          </a:effectRef>
+          <a:fontRef idx="minor">
+            <a:schemeClr val="lt1"/>
+          </a:fontRef>
+        </p:style>
+        <p:txBody>
+          <a:bodyPr/>
+          <a:lstStyle/>
+          <a:p>
+            <a:pPr algn="ctr"/>
+            <a:r>
+              <a:rPr lang="en-US" sz="2400" dirty="0" smtClean="0"/>
+              <a:t>Walk to car</a:t>
+            </a:r>
+            <a:endParaRPr lang="en-US" sz="2400" dirty="0"/>
+          </a:p>
+        </p:txBody>
+      </p:sp>
+      <p:sp>
+        <p:nvSpPr>
+          <p:cNvPr id="26" name="Rounded Rectangle 25"/>
+          <p:cNvSpPr/>
+          <p:nvPr/>
+        </p:nvSpPr>
+        <p:spPr>
+          <a:xfrm>
+            <a:off x="442259" y="2264475"/>
+            <a:ext cx="2172447" cy="531299"/>
+          </a:xfrm>
+          <a:prstGeom prst="roundRect">
+            <a:avLst/>
+          </a:prstGeom>
+          <a:ln/>
+        </p:spPr>
+        <p:style>
+          <a:lnRef idx="1">
+            <a:schemeClr val="accent1"/>
+          </a:lnRef>
+          <a:fillRef idx="3">
+            <a:schemeClr val="accent1"/>
+          </a:fillRef>
+          <a:effectRef idx="2">
+            <a:schemeClr val="accent1"/>
+          </a:effectRef>
+          <a:fontRef idx="minor">
+            <a:schemeClr val="lt1"/>
+          </a:fontRef>
+        </p:style>
+        <p:txBody>
+          <a:bodyPr/>
+          <a:lstStyle/>
+          <a:p>
+            <a:pPr algn="ctr"/>
+            <a:r>
+              <a:rPr lang="en-US" sz="2200" dirty="0" smtClean="0"/>
+              <a:t>Pull door handle</a:t>
+            </a:r>
+            <a:endParaRPr lang="en-US" sz="2200" dirty="0"/>
+          </a:p>
+        </p:txBody>
+      </p:sp>
+      <p:sp>
+        <p:nvSpPr>
+          <p:cNvPr id="27" name="Rounded Rectangle 26"/>
+          <p:cNvSpPr/>
+          <p:nvPr/>
+        </p:nvSpPr>
+        <p:spPr>
+          <a:xfrm>
+            <a:off x="442259" y="2920116"/>
+            <a:ext cx="2172447" cy="531299"/>
+          </a:xfrm>
+          <a:prstGeom prst="roundRect">
+            <a:avLst/>
+          </a:prstGeom>
+          <a:ln/>
+        </p:spPr>
+        <p:style>
+          <a:lnRef idx="1">
+            <a:schemeClr val="accent1"/>
+          </a:lnRef>
+          <a:fillRef idx="3">
+            <a:schemeClr val="accent1"/>
+          </a:fillRef>
+          <a:effectRef idx="2">
+            <a:schemeClr val="accent1"/>
+          </a:effectRef>
+          <a:fontRef idx="minor">
+            <a:schemeClr val="lt1"/>
+          </a:fontRef>
+        </p:style>
+        <p:txBody>
+          <a:bodyPr/>
+          <a:lstStyle/>
+          <a:p>
+            <a:pPr algn="ctr"/>
+            <a:r>
+              <a:rPr lang="en-US" sz="2400" dirty="0" smtClean="0"/>
+              <a:t>Enter Car</a:t>
+            </a:r>
+            <a:endParaRPr lang="en-US" sz="2400" dirty="0"/>
+          </a:p>
+        </p:txBody>
+      </p:sp>
+      <p:sp>
+        <p:nvSpPr>
+          <p:cNvPr id="28" name="Rounded Rectangle 27"/>
+          <p:cNvSpPr/>
+          <p:nvPr/>
+        </p:nvSpPr>
+        <p:spPr>
+          <a:xfrm>
+            <a:off x="442259" y="3585886"/>
+            <a:ext cx="2172447" cy="531299"/>
+          </a:xfrm>
+          <a:prstGeom prst="roundRect">
+            <a:avLst/>
+          </a:prstGeom>
+          <a:ln/>
+        </p:spPr>
+        <p:style>
+          <a:lnRef idx="1">
+            <a:schemeClr val="accent1"/>
+          </a:lnRef>
+          <a:fillRef idx="3">
+            <a:schemeClr val="accent1"/>
+          </a:fillRef>
+          <a:effectRef idx="2">
+            <a:schemeClr val="accent1"/>
+          </a:effectRef>
+          <a:fontRef idx="minor">
+            <a:schemeClr val="lt1"/>
+          </a:fontRef>
+        </p:style>
+        <p:txBody>
+          <a:bodyPr/>
+          <a:lstStyle/>
+          <a:p>
+            <a:pPr algn="ctr"/>
+            <a:r>
+              <a:rPr lang="en-US" sz="2400" dirty="0" smtClean="0"/>
+              <a:t>Close door</a:t>
+            </a:r>
+            <a:endParaRPr lang="en-US" sz="2400" dirty="0"/>
+          </a:p>
+        </p:txBody>
+      </p:sp>
+      <p:sp>
+        <p:nvSpPr>
+          <p:cNvPr id="29" name="Rounded Rectangle 28"/>
+          <p:cNvSpPr/>
+          <p:nvPr/>
+        </p:nvSpPr>
+        <p:spPr>
+          <a:xfrm>
+            <a:off x="442259" y="4275525"/>
+            <a:ext cx="2172447" cy="531299"/>
+          </a:xfrm>
+          <a:prstGeom prst="roundRect">
+            <a:avLst/>
+          </a:prstGeom>
+          <a:ln/>
+        </p:spPr>
+        <p:style>
+          <a:lnRef idx="1">
+            <a:schemeClr val="accent1"/>
+          </a:lnRef>
+          <a:fillRef idx="3">
+            <a:schemeClr val="accent1"/>
+          </a:fillRef>
+          <a:effectRef idx="2">
+            <a:schemeClr val="accent1"/>
+          </a:effectRef>
+          <a:fontRef idx="minor">
+            <a:schemeClr val="lt1"/>
+          </a:fontRef>
+        </p:style>
+        <p:txBody>
+          <a:bodyPr/>
+          <a:lstStyle/>
+          <a:p>
+            <a:pPr algn="ctr"/>
+            <a:r>
+              <a:rPr lang="en-US" sz="2400" dirty="0" smtClean="0"/>
+              <a:t>Insert key</a:t>
+            </a:r>
+            <a:endParaRPr lang="en-US" sz="2400" dirty="0"/>
+          </a:p>
+        </p:txBody>
+      </p:sp>
+      <p:sp>
+        <p:nvSpPr>
+          <p:cNvPr id="30" name="Rounded Rectangle 29"/>
+          <p:cNvSpPr/>
+          <p:nvPr/>
+        </p:nvSpPr>
+        <p:spPr>
+          <a:xfrm>
+            <a:off x="442259" y="4924947"/>
+            <a:ext cx="2172447" cy="531299"/>
+          </a:xfrm>
+          <a:prstGeom prst="roundRect">
+            <a:avLst/>
+          </a:prstGeom>
+          <a:ln/>
+        </p:spPr>
+        <p:style>
+          <a:lnRef idx="1">
+            <a:schemeClr val="accent1"/>
+          </a:lnRef>
+          <a:fillRef idx="3">
+            <a:schemeClr val="accent1"/>
+          </a:fillRef>
+          <a:effectRef idx="2">
+            <a:schemeClr val="accent1"/>
+          </a:effectRef>
+          <a:fontRef idx="minor">
+            <a:schemeClr val="lt1"/>
+          </a:fontRef>
+        </p:style>
+        <p:txBody>
+          <a:bodyPr/>
+          <a:lstStyle/>
+          <a:p>
+            <a:pPr algn="ctr"/>
+            <a:r>
+              <a:rPr lang="en-US" sz="2400" dirty="0" smtClean="0"/>
+              <a:t>Turn key</a:t>
+            </a:r>
+            <a:endParaRPr lang="en-US" sz="2400" dirty="0"/>
+          </a:p>
+        </p:txBody>
+      </p:sp>
+      <p:sp>
+        <p:nvSpPr>
+          <p:cNvPr id="31" name="Rounded Rectangle 30"/>
+          <p:cNvSpPr/>
+          <p:nvPr/>
+        </p:nvSpPr>
+        <p:spPr>
+          <a:xfrm>
+            <a:off x="3383578" y="1590348"/>
+            <a:ext cx="2172447" cy="531299"/>
+          </a:xfrm>
+          <a:prstGeom prst="roundRect">
+            <a:avLst/>
+          </a:prstGeom>
+          <a:ln/>
+        </p:spPr>
+        <p:style>
+          <a:lnRef idx="1">
+            <a:schemeClr val="accent1"/>
+          </a:lnRef>
+          <a:fillRef idx="3">
+            <a:schemeClr val="accent1"/>
+          </a:fillRef>
+          <a:effectRef idx="2">
+            <a:schemeClr val="accent1"/>
+          </a:effectRef>
+          <a:fontRef idx="minor">
+            <a:schemeClr val="lt1"/>
+          </a:fontRef>
+        </p:style>
+        <p:txBody>
+          <a:bodyPr/>
+          <a:lstStyle/>
+          <a:p>
+            <a:pPr algn="ctr"/>
+            <a:r>
+              <a:rPr lang="en-US" sz="2400" dirty="0" smtClean="0"/>
+              <a:t>Push brake</a:t>
+            </a:r>
+            <a:endParaRPr lang="en-US" sz="2400" dirty="0"/>
+          </a:p>
+        </p:txBody>
+      </p:sp>
+      <p:sp>
+        <p:nvSpPr>
+          <p:cNvPr id="32" name="Rounded Rectangle 31"/>
+          <p:cNvSpPr/>
+          <p:nvPr/>
+        </p:nvSpPr>
+        <p:spPr>
+          <a:xfrm>
+            <a:off x="442259" y="5594919"/>
+            <a:ext cx="2172447" cy="531299"/>
+          </a:xfrm>
+          <a:prstGeom prst="roundRect">
+            <a:avLst/>
+          </a:prstGeom>
+          <a:ln/>
+        </p:spPr>
+        <p:style>
+          <a:lnRef idx="1">
+            <a:schemeClr val="accent1"/>
+          </a:lnRef>
+          <a:fillRef idx="3">
+            <a:schemeClr val="accent1"/>
+          </a:fillRef>
+          <a:effectRef idx="2">
+            <a:schemeClr val="accent1"/>
+          </a:effectRef>
+          <a:fontRef idx="minor">
+            <a:schemeClr val="lt1"/>
+          </a:fontRef>
+        </p:style>
+        <p:txBody>
+          <a:bodyPr/>
+          <a:lstStyle/>
+          <a:p>
+            <a:pPr algn="ctr"/>
+            <a:r>
+              <a:rPr lang="en-US" sz="2400" dirty="0" smtClean="0"/>
+              <a:t>Release key</a:t>
+            </a:r>
+            <a:endParaRPr lang="en-US" sz="2400" dirty="0"/>
+          </a:p>
+        </p:txBody>
+      </p:sp>
+      <p:sp>
+        <p:nvSpPr>
+          <p:cNvPr id="33" name="Rounded Rectangle 32"/>
+          <p:cNvSpPr/>
+          <p:nvPr/>
+        </p:nvSpPr>
+        <p:spPr>
+          <a:xfrm>
+            <a:off x="3383578" y="2264475"/>
+            <a:ext cx="2172447" cy="531299"/>
+          </a:xfrm>
+          <a:prstGeom prst="roundRect">
+            <a:avLst/>
+          </a:prstGeom>
+          <a:ln/>
+        </p:spPr>
+        <p:style>
+          <a:lnRef idx="1">
+            <a:schemeClr val="accent1"/>
+          </a:lnRef>
+          <a:fillRef idx="3">
+            <a:schemeClr val="accent1"/>
+          </a:fillRef>
+          <a:effectRef idx="2">
+            <a:schemeClr val="accent1"/>
+          </a:effectRef>
+          <a:fontRef idx="minor">
+            <a:schemeClr val="lt1"/>
+          </a:fontRef>
+        </p:style>
+        <p:txBody>
+          <a:bodyPr/>
+          <a:lstStyle/>
+          <a:p>
+            <a:pPr algn="ctr"/>
+            <a:r>
+              <a:rPr lang="en-US" sz="2400" dirty="0" smtClean="0"/>
+              <a:t>Shift to drive</a:t>
+            </a:r>
+            <a:endParaRPr lang="en-US" sz="2400" dirty="0"/>
+          </a:p>
+        </p:txBody>
+      </p:sp>
+      <p:sp>
+        <p:nvSpPr>
+          <p:cNvPr id="34" name="Rounded Rectangle 33"/>
+          <p:cNvSpPr/>
+          <p:nvPr/>
+        </p:nvSpPr>
+        <p:spPr>
+          <a:xfrm>
+            <a:off x="3377601" y="4275525"/>
+            <a:ext cx="2172447" cy="531299"/>
+          </a:xfrm>
+          <a:prstGeom prst="roundRect">
+            <a:avLst/>
+          </a:prstGeom>
+          <a:ln/>
+        </p:spPr>
+        <p:style>
+          <a:lnRef idx="1">
+            <a:schemeClr val="accent1"/>
+          </a:lnRef>
+          <a:fillRef idx="3">
+            <a:schemeClr val="accent1"/>
+          </a:fillRef>
+          <a:effectRef idx="2">
+            <a:schemeClr val="accent1"/>
+          </a:effectRef>
+          <a:fontRef idx="minor">
+            <a:schemeClr val="lt1"/>
+          </a:fontRef>
+        </p:style>
+        <p:txBody>
+          <a:bodyPr/>
+          <a:lstStyle/>
+          <a:p>
+            <a:pPr algn="ctr"/>
+            <a:r>
+              <a:rPr lang="en-US" sz="2400" dirty="0" smtClean="0"/>
+              <a:t>Steer wheel</a:t>
+            </a:r>
+            <a:endParaRPr lang="en-US" sz="2400" dirty="0"/>
+          </a:p>
+        </p:txBody>
+      </p:sp>
+      <p:sp>
+        <p:nvSpPr>
+          <p:cNvPr id="35" name="Rounded Rectangle 34"/>
+          <p:cNvSpPr/>
+          <p:nvPr/>
+        </p:nvSpPr>
+        <p:spPr>
+          <a:xfrm>
+            <a:off x="3383578" y="3585886"/>
+            <a:ext cx="2172447" cy="531299"/>
+          </a:xfrm>
+          <a:prstGeom prst="roundRect">
+            <a:avLst/>
+          </a:prstGeom>
+          <a:ln/>
+        </p:spPr>
+        <p:style>
+          <a:lnRef idx="1">
+            <a:schemeClr val="accent1"/>
+          </a:lnRef>
+          <a:fillRef idx="3">
+            <a:schemeClr val="accent1"/>
+          </a:fillRef>
+          <a:effectRef idx="2">
+            <a:schemeClr val="accent1"/>
+          </a:effectRef>
+          <a:fontRef idx="minor">
+            <a:schemeClr val="lt1"/>
+          </a:fontRef>
+        </p:style>
+        <p:txBody>
+          <a:bodyPr/>
+          <a:lstStyle/>
+          <a:p>
+            <a:pPr algn="ctr"/>
+            <a:r>
+              <a:rPr lang="en-US" sz="2200" dirty="0" smtClean="0"/>
+              <a:t>Push accelerator</a:t>
+            </a:r>
+            <a:endParaRPr lang="en-US" sz="2200" dirty="0"/>
+          </a:p>
+        </p:txBody>
+      </p:sp>
+      <p:sp>
+        <p:nvSpPr>
+          <p:cNvPr id="36" name="Rounded Rectangle 35"/>
+          <p:cNvSpPr/>
+          <p:nvPr/>
+        </p:nvSpPr>
+        <p:spPr>
+          <a:xfrm>
+            <a:off x="3377601" y="2920116"/>
+            <a:ext cx="2172447" cy="531299"/>
+          </a:xfrm>
+          <a:prstGeom prst="roundRect">
+            <a:avLst/>
+          </a:prstGeom>
+          <a:ln/>
+        </p:spPr>
+        <p:style>
+          <a:lnRef idx="1">
+            <a:schemeClr val="accent1"/>
+          </a:lnRef>
+          <a:fillRef idx="3">
+            <a:schemeClr val="accent1"/>
+          </a:fillRef>
+          <a:effectRef idx="2">
+            <a:schemeClr val="accent1"/>
+          </a:effectRef>
+          <a:fontRef idx="minor">
+            <a:schemeClr val="lt1"/>
+          </a:fontRef>
+        </p:style>
+        <p:txBody>
+          <a:bodyPr/>
+          <a:lstStyle/>
+          <a:p>
+            <a:pPr algn="ctr"/>
+            <a:r>
+              <a:rPr lang="en-US" sz="2400" dirty="0" smtClean="0"/>
+              <a:t>Release brake</a:t>
+            </a:r>
+            <a:endParaRPr lang="en-US" sz="2400" dirty="0"/>
+          </a:p>
+        </p:txBody>
+      </p:sp>
+      <p:sp>
+        <p:nvSpPr>
+          <p:cNvPr id="37" name="Rounded Rectangle 36"/>
+          <p:cNvSpPr/>
+          <p:nvPr/>
+        </p:nvSpPr>
+        <p:spPr>
+          <a:xfrm>
+            <a:off x="3377601" y="4924947"/>
+            <a:ext cx="2172447" cy="531299"/>
+          </a:xfrm>
+          <a:prstGeom prst="roundRect">
+            <a:avLst/>
+          </a:prstGeom>
+          <a:ln/>
+        </p:spPr>
+        <p:style>
+          <a:lnRef idx="1">
+            <a:schemeClr val="accent1"/>
+          </a:lnRef>
+          <a:fillRef idx="3">
+            <a:schemeClr val="accent1"/>
+          </a:fillRef>
+          <a:effectRef idx="2">
+            <a:schemeClr val="accent1"/>
+          </a:effectRef>
+          <a:fontRef idx="minor">
+            <a:schemeClr val="lt1"/>
+          </a:fontRef>
+        </p:style>
+        <p:txBody>
+          <a:bodyPr/>
+          <a:lstStyle/>
+          <a:p>
+            <a:pPr algn="ctr"/>
+            <a:r>
+              <a:rPr lang="en-US" sz="2400" dirty="0" smtClean="0"/>
+              <a:t>Stop on red</a:t>
+            </a:r>
+            <a:endParaRPr lang="en-US" sz="2400" dirty="0"/>
+          </a:p>
+        </p:txBody>
+      </p:sp>
+      <p:sp>
+        <p:nvSpPr>
+          <p:cNvPr id="38" name="Rounded Rectangle 37"/>
+          <p:cNvSpPr/>
+          <p:nvPr/>
+        </p:nvSpPr>
+        <p:spPr>
+          <a:xfrm>
+            <a:off x="3377601" y="5599122"/>
+            <a:ext cx="2172447" cy="531299"/>
+          </a:xfrm>
+          <a:prstGeom prst="roundRect">
+            <a:avLst/>
+          </a:prstGeom>
+          <a:ln/>
+        </p:spPr>
+        <p:style>
+          <a:lnRef idx="1">
+            <a:schemeClr val="accent1"/>
+          </a:lnRef>
+          <a:fillRef idx="3">
+            <a:schemeClr val="accent1"/>
+          </a:fillRef>
+          <a:effectRef idx="2">
+            <a:schemeClr val="accent1"/>
+          </a:effectRef>
+          <a:fontRef idx="minor">
+            <a:schemeClr val="lt1"/>
+          </a:fontRef>
+        </p:style>
+        <p:txBody>
+          <a:bodyPr/>
+          <a:lstStyle/>
+          <a:p>
+            <a:pPr algn="ctr"/>
+            <a:r>
+              <a:rPr lang="en-US" sz="2400" dirty="0" smtClean="0"/>
+              <a:t>Find parking</a:t>
+            </a:r>
+            <a:endParaRPr lang="en-US" sz="2400" dirty="0"/>
+          </a:p>
+        </p:txBody>
+      </p:sp>
+      <p:sp>
+        <p:nvSpPr>
+          <p:cNvPr id="39" name="Rounded Rectangle 38"/>
+          <p:cNvSpPr/>
+          <p:nvPr/>
+        </p:nvSpPr>
+        <p:spPr>
+          <a:xfrm>
+            <a:off x="6514353" y="1590348"/>
+            <a:ext cx="2172447" cy="531299"/>
+          </a:xfrm>
+          <a:prstGeom prst="roundRect">
+            <a:avLst/>
+          </a:prstGeom>
+          <a:ln/>
+        </p:spPr>
+        <p:style>
+          <a:lnRef idx="1">
+            <a:schemeClr val="accent1"/>
+          </a:lnRef>
+          <a:fillRef idx="3">
+            <a:schemeClr val="accent1"/>
+          </a:fillRef>
+          <a:effectRef idx="2">
+            <a:schemeClr val="accent1"/>
+          </a:effectRef>
+          <a:fontRef idx="minor">
+            <a:schemeClr val="lt1"/>
+          </a:fontRef>
+        </p:style>
+        <p:txBody>
+          <a:bodyPr/>
+          <a:lstStyle/>
+          <a:p>
+            <a:pPr algn="ctr"/>
+            <a:r>
+              <a:rPr lang="en-US" sz="2400" dirty="0" smtClean="0"/>
+              <a:t>Push brake</a:t>
+            </a:r>
+            <a:endParaRPr lang="en-US" sz="2400" dirty="0"/>
+          </a:p>
+        </p:txBody>
+      </p:sp>
+      <p:sp>
+        <p:nvSpPr>
+          <p:cNvPr id="40" name="Rounded Rectangle 39"/>
+          <p:cNvSpPr/>
+          <p:nvPr/>
+        </p:nvSpPr>
+        <p:spPr>
+          <a:xfrm>
+            <a:off x="6514353" y="2264475"/>
+            <a:ext cx="2172447" cy="531299"/>
+          </a:xfrm>
+          <a:prstGeom prst="roundRect">
+            <a:avLst/>
+          </a:prstGeom>
+          <a:ln/>
+        </p:spPr>
+        <p:style>
+          <a:lnRef idx="1">
+            <a:schemeClr val="accent1"/>
+          </a:lnRef>
+          <a:fillRef idx="3">
+            <a:schemeClr val="accent1"/>
+          </a:fillRef>
+          <a:effectRef idx="2">
+            <a:schemeClr val="accent1"/>
+          </a:effectRef>
+          <a:fontRef idx="minor">
+            <a:schemeClr val="lt1"/>
+          </a:fontRef>
+        </p:style>
+        <p:txBody>
+          <a:bodyPr/>
+          <a:lstStyle/>
+          <a:p>
+            <a:pPr algn="ctr"/>
+            <a:r>
+              <a:rPr lang="en-US" sz="2400" dirty="0" smtClean="0"/>
+              <a:t>Shift to park</a:t>
+            </a:r>
+            <a:endParaRPr lang="en-US" sz="2400" dirty="0"/>
+          </a:p>
+        </p:txBody>
+      </p:sp>
+      <p:sp>
+        <p:nvSpPr>
+          <p:cNvPr id="41" name="Rounded Rectangle 40"/>
+          <p:cNvSpPr/>
+          <p:nvPr/>
+        </p:nvSpPr>
+        <p:spPr>
+          <a:xfrm>
+            <a:off x="6514353" y="2920116"/>
+            <a:ext cx="2172447" cy="531299"/>
+          </a:xfrm>
+          <a:prstGeom prst="roundRect">
+            <a:avLst/>
+          </a:prstGeom>
+          <a:ln/>
+        </p:spPr>
+        <p:style>
+          <a:lnRef idx="1">
+            <a:schemeClr val="accent1"/>
+          </a:lnRef>
+          <a:fillRef idx="3">
+            <a:schemeClr val="accent1"/>
+          </a:fillRef>
+          <a:effectRef idx="2">
+            <a:schemeClr val="accent1"/>
+          </a:effectRef>
+          <a:fontRef idx="minor">
+            <a:schemeClr val="lt1"/>
+          </a:fontRef>
+        </p:style>
+        <p:txBody>
+          <a:bodyPr/>
+          <a:lstStyle/>
+          <a:p>
+            <a:pPr algn="ctr"/>
+            <a:r>
+              <a:rPr lang="en-US" sz="2400" dirty="0" smtClean="0"/>
+              <a:t>Turn key</a:t>
+            </a:r>
+            <a:endParaRPr lang="en-US" sz="2400" dirty="0"/>
+          </a:p>
+        </p:txBody>
+      </p:sp>
+      <p:sp>
+        <p:nvSpPr>
+          <p:cNvPr id="42" name="Rounded Rectangle 41"/>
+          <p:cNvSpPr/>
+          <p:nvPr/>
+        </p:nvSpPr>
+        <p:spPr>
+          <a:xfrm>
+            <a:off x="6514353" y="3585886"/>
+            <a:ext cx="2172447" cy="531299"/>
+          </a:xfrm>
+          <a:prstGeom prst="roundRect">
+            <a:avLst/>
+          </a:prstGeom>
+          <a:ln/>
+        </p:spPr>
+        <p:style>
+          <a:lnRef idx="1">
+            <a:schemeClr val="accent1"/>
+          </a:lnRef>
+          <a:fillRef idx="3">
+            <a:schemeClr val="accent1"/>
+          </a:fillRef>
+          <a:effectRef idx="2">
+            <a:schemeClr val="accent1"/>
+          </a:effectRef>
+          <a:fontRef idx="minor">
+            <a:schemeClr val="lt1"/>
+          </a:fontRef>
+        </p:style>
+        <p:txBody>
+          <a:bodyPr/>
+          <a:lstStyle/>
+          <a:p>
+            <a:pPr algn="ctr"/>
+            <a:r>
+              <a:rPr lang="en-US" sz="2200" dirty="0" smtClean="0"/>
+              <a:t>Pull door handle</a:t>
+            </a:r>
+            <a:endParaRPr lang="en-US" sz="2200" dirty="0"/>
+          </a:p>
+        </p:txBody>
+      </p:sp>
+      <p:sp>
+        <p:nvSpPr>
+          <p:cNvPr id="43" name="Rounded Rectangle 42"/>
+          <p:cNvSpPr/>
+          <p:nvPr/>
+        </p:nvSpPr>
+        <p:spPr>
+          <a:xfrm>
+            <a:off x="6514353" y="4275525"/>
+            <a:ext cx="2172447" cy="531299"/>
+          </a:xfrm>
+          <a:prstGeom prst="roundRect">
+            <a:avLst/>
+          </a:prstGeom>
+          <a:ln/>
+        </p:spPr>
+        <p:style>
+          <a:lnRef idx="1">
+            <a:schemeClr val="accent1"/>
+          </a:lnRef>
+          <a:fillRef idx="3">
+            <a:schemeClr val="accent1"/>
+          </a:fillRef>
+          <a:effectRef idx="2">
+            <a:schemeClr val="accent1"/>
+          </a:effectRef>
+          <a:fontRef idx="minor">
+            <a:schemeClr val="lt1"/>
+          </a:fontRef>
+        </p:style>
+        <p:txBody>
+          <a:bodyPr/>
+          <a:lstStyle/>
+          <a:p>
+            <a:pPr algn="ctr"/>
+            <a:r>
+              <a:rPr lang="en-US" sz="2400" dirty="0" smtClean="0"/>
+              <a:t>Exit car</a:t>
+            </a:r>
+            <a:endParaRPr lang="en-US" sz="2400" dirty="0"/>
+          </a:p>
+        </p:txBody>
+      </p:sp>
+      <p:sp>
+        <p:nvSpPr>
+          <p:cNvPr id="44" name="Rounded Rectangle 43"/>
+          <p:cNvSpPr/>
+          <p:nvPr/>
+        </p:nvSpPr>
+        <p:spPr>
+          <a:xfrm>
+            <a:off x="6514353" y="4924947"/>
+            <a:ext cx="2172447" cy="531299"/>
+          </a:xfrm>
+          <a:prstGeom prst="roundRect">
+            <a:avLst/>
+          </a:prstGeom>
+          <a:ln/>
+        </p:spPr>
+        <p:style>
+          <a:lnRef idx="1">
+            <a:schemeClr val="accent1"/>
+          </a:lnRef>
+          <a:fillRef idx="3">
+            <a:schemeClr val="accent1"/>
+          </a:fillRef>
+          <a:effectRef idx="2">
+            <a:schemeClr val="accent1"/>
+          </a:effectRef>
+          <a:fontRef idx="minor">
+            <a:schemeClr val="lt1"/>
+          </a:fontRef>
+        </p:style>
+        <p:txBody>
+          <a:bodyPr/>
+          <a:lstStyle/>
+          <a:p>
+            <a:pPr algn="ctr"/>
+            <a:r>
+              <a:rPr lang="en-US" sz="2400" dirty="0" smtClean="0"/>
+              <a:t>Close door</a:t>
+            </a:r>
+            <a:endParaRPr lang="en-US" sz="2400" dirty="0"/>
+          </a:p>
+        </p:txBody>
+      </p:sp>
+      <p:sp>
+        <p:nvSpPr>
+          <p:cNvPr id="45" name="Rounded Rectangle 44"/>
+          <p:cNvSpPr/>
+          <p:nvPr/>
+        </p:nvSpPr>
+        <p:spPr>
+          <a:xfrm>
+            <a:off x="6514353" y="5594919"/>
+            <a:ext cx="2172447" cy="531299"/>
+          </a:xfrm>
+          <a:prstGeom prst="roundRect">
+            <a:avLst/>
+          </a:prstGeom>
+          <a:ln/>
+        </p:spPr>
+        <p:style>
+          <a:lnRef idx="1">
+            <a:schemeClr val="accent1"/>
+          </a:lnRef>
+          <a:fillRef idx="3">
+            <a:schemeClr val="accent1"/>
+          </a:fillRef>
+          <a:effectRef idx="2">
+            <a:schemeClr val="accent1"/>
+          </a:effectRef>
+          <a:fontRef idx="minor">
+            <a:schemeClr val="lt1"/>
+          </a:fontRef>
+        </p:style>
+        <p:txBody>
+          <a:bodyPr/>
+          <a:lstStyle/>
+          <a:p>
+            <a:pPr algn="ctr"/>
+            <a:r>
+              <a:rPr lang="en-US" sz="2400" dirty="0" smtClean="0"/>
+              <a:t>Walk to class</a:t>
+            </a:r>
+            <a:endParaRPr lang="en-US" sz="2400" dirty="0"/>
+          </a:p>
+        </p:txBody>
+      </p:sp>
+      <p:cxnSp>
+        <p:nvCxnSpPr>
+          <p:cNvPr id="49" name="Straight Arrow Connector 48"/>
+          <p:cNvCxnSpPr>
+            <a:stCxn id="5" idx="2"/>
+            <a:endCxn id="26" idx="0"/>
+          </p:cNvCxnSpPr>
+          <p:nvPr/>
+        </p:nvCxnSpPr>
+        <p:spPr>
+          <a:xfrm>
+            <a:off x="1528483" y="2121647"/>
+            <a:ext cx="0" cy="142828"/>
+          </a:xfrm>
+          <a:prstGeom prst="straightConnector1">
+            <a:avLst/>
+          </a:prstGeom>
+          <a:ln>
+            <a:tailEnd type="arrow"/>
+          </a:ln>
+        </p:spPr>
+        <p:style>
+          <a:lnRef idx="2">
+            <a:schemeClr val="accent1"/>
+          </a:lnRef>
+          <a:fillRef idx="0">
+            <a:schemeClr val="accent1"/>
+          </a:fillRef>
+          <a:effectRef idx="1">
+            <a:schemeClr val="accent1"/>
+          </a:effectRef>
+          <a:fontRef idx="minor">
+            <a:schemeClr val="tx1"/>
+          </a:fontRef>
+        </p:style>
+      </p:cxnSp>
+      <p:cxnSp>
+        <p:nvCxnSpPr>
+          <p:cNvPr id="52" name="Straight Arrow Connector 51"/>
+          <p:cNvCxnSpPr>
+            <a:stCxn id="26" idx="2"/>
+            <a:endCxn id="27" idx="0"/>
+          </p:cNvCxnSpPr>
+          <p:nvPr/>
+        </p:nvCxnSpPr>
+        <p:spPr>
+          <a:xfrm>
+            <a:off x="1528483" y="2795774"/>
+            <a:ext cx="0" cy="124342"/>
+          </a:xfrm>
+          <a:prstGeom prst="straightConnector1">
+            <a:avLst/>
+          </a:prstGeom>
+          <a:ln>
+            <a:tailEnd type="arrow"/>
+          </a:ln>
+        </p:spPr>
+        <p:style>
+          <a:lnRef idx="2">
+            <a:schemeClr val="accent1"/>
+          </a:lnRef>
+          <a:fillRef idx="0">
+            <a:schemeClr val="accent1"/>
+          </a:fillRef>
+          <a:effectRef idx="1">
+            <a:schemeClr val="accent1"/>
+          </a:effectRef>
+          <a:fontRef idx="minor">
+            <a:schemeClr val="tx1"/>
+          </a:fontRef>
+        </p:style>
+      </p:cxnSp>
+      <p:cxnSp>
+        <p:nvCxnSpPr>
+          <p:cNvPr id="55" name="Straight Arrow Connector 54"/>
+          <p:cNvCxnSpPr>
+            <a:stCxn id="27" idx="2"/>
+            <a:endCxn id="28" idx="0"/>
+          </p:cNvCxnSpPr>
+          <p:nvPr/>
+        </p:nvCxnSpPr>
+        <p:spPr>
+          <a:xfrm>
+            <a:off x="1528483" y="3451415"/>
+            <a:ext cx="0" cy="134471"/>
+          </a:xfrm>
+          <a:prstGeom prst="straightConnector1">
+            <a:avLst/>
+          </a:prstGeom>
+          <a:ln>
+            <a:tailEnd type="arrow"/>
+          </a:ln>
+        </p:spPr>
+        <p:style>
+          <a:lnRef idx="2">
+            <a:schemeClr val="accent1"/>
+          </a:lnRef>
+          <a:fillRef idx="0">
+            <a:schemeClr val="accent1"/>
+          </a:fillRef>
+          <a:effectRef idx="1">
+            <a:schemeClr val="accent1"/>
+          </a:effectRef>
+          <a:fontRef idx="minor">
+            <a:schemeClr val="tx1"/>
+          </a:fontRef>
+        </p:style>
+      </p:cxnSp>
+      <p:cxnSp>
+        <p:nvCxnSpPr>
+          <p:cNvPr id="57" name="Straight Arrow Connector 56"/>
+          <p:cNvCxnSpPr>
+            <a:stCxn id="28" idx="2"/>
+            <a:endCxn id="29" idx="0"/>
+          </p:cNvCxnSpPr>
+          <p:nvPr/>
+        </p:nvCxnSpPr>
+        <p:spPr>
+          <a:xfrm>
+            <a:off x="1528483" y="4117185"/>
+            <a:ext cx="0" cy="158340"/>
+          </a:xfrm>
+          <a:prstGeom prst="straightConnector1">
+            <a:avLst/>
+          </a:prstGeom>
+          <a:ln>
+            <a:tailEnd type="arrow"/>
+          </a:ln>
+        </p:spPr>
+        <p:style>
+          <a:lnRef idx="2">
+            <a:schemeClr val="accent1"/>
+          </a:lnRef>
+          <a:fillRef idx="0">
+            <a:schemeClr val="accent1"/>
+          </a:fillRef>
+          <a:effectRef idx="1">
+            <a:schemeClr val="accent1"/>
+          </a:effectRef>
+          <a:fontRef idx="minor">
+            <a:schemeClr val="tx1"/>
+          </a:fontRef>
+        </p:style>
+      </p:cxnSp>
+      <p:cxnSp>
+        <p:nvCxnSpPr>
+          <p:cNvPr id="61" name="Straight Arrow Connector 60"/>
+          <p:cNvCxnSpPr>
+            <a:stCxn id="29" idx="2"/>
+            <a:endCxn id="30" idx="0"/>
+          </p:cNvCxnSpPr>
+          <p:nvPr/>
+        </p:nvCxnSpPr>
+        <p:spPr>
+          <a:xfrm>
+            <a:off x="1528483" y="4806824"/>
+            <a:ext cx="0" cy="118123"/>
+          </a:xfrm>
+          <a:prstGeom prst="straightConnector1">
+            <a:avLst/>
+          </a:prstGeom>
+          <a:ln>
+            <a:tailEnd type="arrow"/>
+          </a:ln>
+        </p:spPr>
+        <p:style>
+          <a:lnRef idx="2">
+            <a:schemeClr val="accent1"/>
+          </a:lnRef>
+          <a:fillRef idx="0">
+            <a:schemeClr val="accent1"/>
+          </a:fillRef>
+          <a:effectRef idx="1">
+            <a:schemeClr val="accent1"/>
+          </a:effectRef>
+          <a:fontRef idx="minor">
+            <a:schemeClr val="tx1"/>
+          </a:fontRef>
+        </p:style>
+      </p:cxnSp>
+      <p:cxnSp>
+        <p:nvCxnSpPr>
+          <p:cNvPr id="63" name="Straight Arrow Connector 62"/>
+          <p:cNvCxnSpPr>
+            <a:stCxn id="30" idx="2"/>
+            <a:endCxn id="32" idx="0"/>
+          </p:cNvCxnSpPr>
+          <p:nvPr/>
+        </p:nvCxnSpPr>
+        <p:spPr>
+          <a:xfrm>
+            <a:off x="1528483" y="5456246"/>
+            <a:ext cx="0" cy="138673"/>
+          </a:xfrm>
+          <a:prstGeom prst="straightConnector1">
+            <a:avLst/>
+          </a:prstGeom>
+          <a:ln>
+            <a:tailEnd type="arrow"/>
+          </a:ln>
+        </p:spPr>
+        <p:style>
+          <a:lnRef idx="2">
+            <a:schemeClr val="accent1"/>
+          </a:lnRef>
+          <a:fillRef idx="0">
+            <a:schemeClr val="accent1"/>
+          </a:fillRef>
+          <a:effectRef idx="1">
+            <a:schemeClr val="accent1"/>
+          </a:effectRef>
+          <a:fontRef idx="minor">
+            <a:schemeClr val="tx1"/>
+          </a:fontRef>
+        </p:style>
+      </p:cxnSp>
+      <p:cxnSp>
+        <p:nvCxnSpPr>
+          <p:cNvPr id="65" name="Straight Arrow Connector 64"/>
+          <p:cNvCxnSpPr>
+            <a:stCxn id="31" idx="2"/>
+            <a:endCxn id="33" idx="0"/>
+          </p:cNvCxnSpPr>
+          <p:nvPr/>
+        </p:nvCxnSpPr>
+        <p:spPr>
+          <a:xfrm>
+            <a:off x="4469802" y="2121647"/>
+            <a:ext cx="0" cy="142828"/>
+          </a:xfrm>
+          <a:prstGeom prst="straightConnector1">
+            <a:avLst/>
+          </a:prstGeom>
+          <a:ln>
+            <a:tailEnd type="arrow"/>
+          </a:ln>
+        </p:spPr>
+        <p:style>
+          <a:lnRef idx="2">
+            <a:schemeClr val="accent1"/>
+          </a:lnRef>
+          <a:fillRef idx="0">
+            <a:schemeClr val="accent1"/>
+          </a:fillRef>
+          <a:effectRef idx="1">
+            <a:schemeClr val="accent1"/>
+          </a:effectRef>
+          <a:fontRef idx="minor">
+            <a:schemeClr val="tx1"/>
+          </a:fontRef>
+        </p:style>
+      </p:cxnSp>
+      <p:cxnSp>
+        <p:nvCxnSpPr>
+          <p:cNvPr id="67" name="Straight Arrow Connector 66"/>
+          <p:cNvCxnSpPr>
+            <a:stCxn id="33" idx="2"/>
+            <a:endCxn id="36" idx="0"/>
+          </p:cNvCxnSpPr>
+          <p:nvPr/>
+        </p:nvCxnSpPr>
+        <p:spPr>
+          <a:xfrm flipH="1">
+            <a:off x="4463825" y="2795774"/>
+            <a:ext cx="5977" cy="124342"/>
+          </a:xfrm>
+          <a:prstGeom prst="straightConnector1">
+            <a:avLst/>
+          </a:prstGeom>
+          <a:ln>
+            <a:tailEnd type="arrow"/>
+          </a:ln>
+        </p:spPr>
+        <p:style>
+          <a:lnRef idx="2">
+            <a:schemeClr val="accent1"/>
+          </a:lnRef>
+          <a:fillRef idx="0">
+            <a:schemeClr val="accent1"/>
+          </a:fillRef>
+          <a:effectRef idx="1">
+            <a:schemeClr val="accent1"/>
+          </a:effectRef>
+          <a:fontRef idx="minor">
+            <a:schemeClr val="tx1"/>
+          </a:fontRef>
+        </p:style>
+      </p:cxnSp>
+      <p:cxnSp>
+        <p:nvCxnSpPr>
+          <p:cNvPr id="69" name="Straight Arrow Connector 68"/>
+          <p:cNvCxnSpPr>
+            <a:stCxn id="36" idx="2"/>
+            <a:endCxn id="35" idx="0"/>
+          </p:cNvCxnSpPr>
+          <p:nvPr/>
+        </p:nvCxnSpPr>
+        <p:spPr>
+          <a:xfrm>
+            <a:off x="4463825" y="3451415"/>
+            <a:ext cx="5977" cy="134471"/>
+          </a:xfrm>
+          <a:prstGeom prst="straightConnector1">
+            <a:avLst/>
+          </a:prstGeom>
+          <a:ln>
+            <a:tailEnd type="arrow"/>
+          </a:ln>
+        </p:spPr>
+        <p:style>
+          <a:lnRef idx="2">
+            <a:schemeClr val="accent1"/>
+          </a:lnRef>
+          <a:fillRef idx="0">
+            <a:schemeClr val="accent1"/>
+          </a:fillRef>
+          <a:effectRef idx="1">
+            <a:schemeClr val="accent1"/>
+          </a:effectRef>
+          <a:fontRef idx="minor">
+            <a:schemeClr val="tx1"/>
+          </a:fontRef>
+        </p:style>
+      </p:cxnSp>
+      <p:cxnSp>
+        <p:nvCxnSpPr>
+          <p:cNvPr id="71" name="Straight Arrow Connector 70"/>
+          <p:cNvCxnSpPr>
+            <a:stCxn id="35" idx="2"/>
+            <a:endCxn id="34" idx="0"/>
+          </p:cNvCxnSpPr>
+          <p:nvPr/>
+        </p:nvCxnSpPr>
+        <p:spPr>
+          <a:xfrm flipH="1">
+            <a:off x="4463825" y="4117185"/>
+            <a:ext cx="5977" cy="158340"/>
+          </a:xfrm>
+          <a:prstGeom prst="straightConnector1">
+            <a:avLst/>
+          </a:prstGeom>
+          <a:ln>
+            <a:tailEnd type="arrow"/>
+          </a:ln>
+        </p:spPr>
+        <p:style>
+          <a:lnRef idx="2">
+            <a:schemeClr val="accent1"/>
+          </a:lnRef>
+          <a:fillRef idx="0">
+            <a:schemeClr val="accent1"/>
+          </a:fillRef>
+          <a:effectRef idx="1">
+            <a:schemeClr val="accent1"/>
+          </a:effectRef>
+          <a:fontRef idx="minor">
+            <a:schemeClr val="tx1"/>
+          </a:fontRef>
+        </p:style>
+      </p:cxnSp>
+      <p:cxnSp>
+        <p:nvCxnSpPr>
+          <p:cNvPr id="73" name="Straight Arrow Connector 72"/>
+          <p:cNvCxnSpPr>
+            <a:stCxn id="34" idx="2"/>
+            <a:endCxn id="37" idx="0"/>
+          </p:cNvCxnSpPr>
+          <p:nvPr/>
+        </p:nvCxnSpPr>
+        <p:spPr>
+          <a:xfrm>
+            <a:off x="4463825" y="4806824"/>
+            <a:ext cx="0" cy="118123"/>
+          </a:xfrm>
+          <a:prstGeom prst="straightConnector1">
+            <a:avLst/>
+          </a:prstGeom>
+          <a:ln>
+            <a:tailEnd type="arrow"/>
+          </a:ln>
+        </p:spPr>
+        <p:style>
+          <a:lnRef idx="2">
+            <a:schemeClr val="accent1"/>
+          </a:lnRef>
+          <a:fillRef idx="0">
+            <a:schemeClr val="accent1"/>
+          </a:fillRef>
+          <a:effectRef idx="1">
+            <a:schemeClr val="accent1"/>
+          </a:effectRef>
+          <a:fontRef idx="minor">
+            <a:schemeClr val="tx1"/>
+          </a:fontRef>
+        </p:style>
+      </p:cxnSp>
+      <p:cxnSp>
+        <p:nvCxnSpPr>
+          <p:cNvPr id="75" name="Straight Arrow Connector 74"/>
+          <p:cNvCxnSpPr>
+            <a:stCxn id="37" idx="2"/>
+            <a:endCxn id="38" idx="0"/>
+          </p:cNvCxnSpPr>
+          <p:nvPr/>
+        </p:nvCxnSpPr>
+        <p:spPr>
+          <a:xfrm>
+            <a:off x="4463825" y="5456246"/>
+            <a:ext cx="0" cy="142876"/>
+          </a:xfrm>
+          <a:prstGeom prst="straightConnector1">
+            <a:avLst/>
+          </a:prstGeom>
+          <a:ln>
+            <a:tailEnd type="arrow"/>
+          </a:ln>
+        </p:spPr>
+        <p:style>
+          <a:lnRef idx="2">
+            <a:schemeClr val="accent1"/>
+          </a:lnRef>
+          <a:fillRef idx="0">
+            <a:schemeClr val="accent1"/>
+          </a:fillRef>
+          <a:effectRef idx="1">
+            <a:schemeClr val="accent1"/>
+          </a:effectRef>
+          <a:fontRef idx="minor">
+            <a:schemeClr val="tx1"/>
+          </a:fontRef>
+        </p:style>
+      </p:cxnSp>
+      <p:cxnSp>
+        <p:nvCxnSpPr>
+          <p:cNvPr id="77" name="Straight Arrow Connector 76"/>
+          <p:cNvCxnSpPr>
+            <a:stCxn id="39" idx="2"/>
+            <a:endCxn id="40" idx="0"/>
+          </p:cNvCxnSpPr>
+          <p:nvPr/>
+        </p:nvCxnSpPr>
+        <p:spPr>
+          <a:xfrm>
+            <a:off x="7600577" y="2121647"/>
+            <a:ext cx="0" cy="142828"/>
+          </a:xfrm>
+          <a:prstGeom prst="straightConnector1">
+            <a:avLst/>
+          </a:prstGeom>
+          <a:ln>
+            <a:tailEnd type="arrow"/>
+          </a:ln>
+        </p:spPr>
+        <p:style>
+          <a:lnRef idx="2">
+            <a:schemeClr val="accent1"/>
+          </a:lnRef>
+          <a:fillRef idx="0">
+            <a:schemeClr val="accent1"/>
+          </a:fillRef>
+          <a:effectRef idx="1">
+            <a:schemeClr val="accent1"/>
+          </a:effectRef>
+          <a:fontRef idx="minor">
+            <a:schemeClr val="tx1"/>
+          </a:fontRef>
+        </p:style>
+      </p:cxnSp>
+      <p:cxnSp>
+        <p:nvCxnSpPr>
+          <p:cNvPr id="79" name="Straight Arrow Connector 78"/>
+          <p:cNvCxnSpPr>
+            <a:stCxn id="40" idx="2"/>
+            <a:endCxn id="41" idx="0"/>
+          </p:cNvCxnSpPr>
+          <p:nvPr/>
+        </p:nvCxnSpPr>
+        <p:spPr>
+          <a:xfrm>
+            <a:off x="7600577" y="2795774"/>
+            <a:ext cx="0" cy="124342"/>
+          </a:xfrm>
+          <a:prstGeom prst="straightConnector1">
+            <a:avLst/>
+          </a:prstGeom>
+          <a:ln>
+            <a:tailEnd type="arrow"/>
+          </a:ln>
+        </p:spPr>
+        <p:style>
+          <a:lnRef idx="2">
+            <a:schemeClr val="accent1"/>
+          </a:lnRef>
+          <a:fillRef idx="0">
+            <a:schemeClr val="accent1"/>
+          </a:fillRef>
+          <a:effectRef idx="1">
+            <a:schemeClr val="accent1"/>
+          </a:effectRef>
+          <a:fontRef idx="minor">
+            <a:schemeClr val="tx1"/>
+          </a:fontRef>
+        </p:style>
+      </p:cxnSp>
+      <p:cxnSp>
+        <p:nvCxnSpPr>
+          <p:cNvPr id="81" name="Straight Arrow Connector 80"/>
+          <p:cNvCxnSpPr>
+            <a:stCxn id="41" idx="2"/>
+            <a:endCxn id="42" idx="0"/>
+          </p:cNvCxnSpPr>
+          <p:nvPr/>
+        </p:nvCxnSpPr>
+        <p:spPr>
+          <a:xfrm>
+            <a:off x="7600577" y="3451415"/>
+            <a:ext cx="0" cy="134471"/>
+          </a:xfrm>
+          <a:prstGeom prst="straightConnector1">
+            <a:avLst/>
+          </a:prstGeom>
+          <a:ln>
+            <a:tailEnd type="arrow"/>
+          </a:ln>
+        </p:spPr>
+        <p:style>
+          <a:lnRef idx="2">
+            <a:schemeClr val="accent1"/>
+          </a:lnRef>
+          <a:fillRef idx="0">
+            <a:schemeClr val="accent1"/>
+          </a:fillRef>
+          <a:effectRef idx="1">
+            <a:schemeClr val="accent1"/>
+          </a:effectRef>
+          <a:fontRef idx="minor">
+            <a:schemeClr val="tx1"/>
+          </a:fontRef>
+        </p:style>
+      </p:cxnSp>
+      <p:cxnSp>
+        <p:nvCxnSpPr>
+          <p:cNvPr id="83" name="Straight Arrow Connector 82"/>
+          <p:cNvCxnSpPr>
+            <a:stCxn id="42" idx="2"/>
+            <a:endCxn id="43" idx="0"/>
+          </p:cNvCxnSpPr>
+          <p:nvPr/>
+        </p:nvCxnSpPr>
+        <p:spPr>
+          <a:xfrm>
+            <a:off x="7600577" y="4117185"/>
+            <a:ext cx="0" cy="158340"/>
+          </a:xfrm>
+          <a:prstGeom prst="straightConnector1">
+            <a:avLst/>
+          </a:prstGeom>
+          <a:ln>
+            <a:tailEnd type="arrow"/>
+          </a:ln>
+        </p:spPr>
+        <p:style>
+          <a:lnRef idx="2">
+            <a:schemeClr val="accent1"/>
+          </a:lnRef>
+          <a:fillRef idx="0">
+            <a:schemeClr val="accent1"/>
+          </a:fillRef>
+          <a:effectRef idx="1">
+            <a:schemeClr val="accent1"/>
+          </a:effectRef>
+          <a:fontRef idx="minor">
+            <a:schemeClr val="tx1"/>
+          </a:fontRef>
+        </p:style>
+      </p:cxnSp>
+      <p:cxnSp>
+        <p:nvCxnSpPr>
+          <p:cNvPr id="85" name="Straight Arrow Connector 84"/>
+          <p:cNvCxnSpPr>
+            <a:stCxn id="43" idx="2"/>
+            <a:endCxn id="44" idx="0"/>
+          </p:cNvCxnSpPr>
+          <p:nvPr/>
+        </p:nvCxnSpPr>
+        <p:spPr>
+          <a:xfrm>
+            <a:off x="7600577" y="4806824"/>
+            <a:ext cx="0" cy="118123"/>
+          </a:xfrm>
+          <a:prstGeom prst="straightConnector1">
+            <a:avLst/>
+          </a:prstGeom>
+          <a:ln>
+            <a:tailEnd type="arrow"/>
+          </a:ln>
+        </p:spPr>
+        <p:style>
+          <a:lnRef idx="2">
+            <a:schemeClr val="accent1"/>
+          </a:lnRef>
+          <a:fillRef idx="0">
+            <a:schemeClr val="accent1"/>
+          </a:fillRef>
+          <a:effectRef idx="1">
+            <a:schemeClr val="accent1"/>
+          </a:effectRef>
+          <a:fontRef idx="minor">
+            <a:schemeClr val="tx1"/>
+          </a:fontRef>
+        </p:style>
+      </p:cxnSp>
+      <p:cxnSp>
+        <p:nvCxnSpPr>
+          <p:cNvPr id="87" name="Straight Arrow Connector 86"/>
+          <p:cNvCxnSpPr>
+            <a:stCxn id="44" idx="2"/>
+            <a:endCxn id="45" idx="0"/>
+          </p:cNvCxnSpPr>
+          <p:nvPr/>
+        </p:nvCxnSpPr>
+        <p:spPr>
+          <a:xfrm>
+            <a:off x="7600577" y="5456246"/>
+            <a:ext cx="0" cy="138673"/>
+          </a:xfrm>
+          <a:prstGeom prst="straightConnector1">
+            <a:avLst/>
+          </a:prstGeom>
+          <a:ln>
+            <a:tailEnd type="arrow"/>
+          </a:ln>
+        </p:spPr>
+        <p:style>
+          <a:lnRef idx="2">
+            <a:schemeClr val="accent1"/>
+          </a:lnRef>
+          <a:fillRef idx="0">
+            <a:schemeClr val="accent1"/>
+          </a:fillRef>
+          <a:effectRef idx="1">
+            <a:schemeClr val="accent1"/>
+          </a:effectRef>
+          <a:fontRef idx="minor">
+            <a:schemeClr val="tx1"/>
+          </a:fontRef>
+        </p:style>
+      </p:cxnSp>
+      <p:cxnSp>
+        <p:nvCxnSpPr>
+          <p:cNvPr id="89" name="Straight Arrow Connector 88"/>
+          <p:cNvCxnSpPr>
+            <a:stCxn id="32" idx="2"/>
+          </p:cNvCxnSpPr>
+          <p:nvPr/>
+        </p:nvCxnSpPr>
+        <p:spPr>
+          <a:xfrm>
+            <a:off x="1528483" y="6126218"/>
+            <a:ext cx="0" cy="283547"/>
+          </a:xfrm>
+          <a:prstGeom prst="straightConnector1">
+            <a:avLst/>
+          </a:prstGeom>
+          <a:ln>
+            <a:tailEnd type="arrow"/>
+          </a:ln>
+        </p:spPr>
+        <p:style>
+          <a:lnRef idx="2">
+            <a:schemeClr val="accent1"/>
+          </a:lnRef>
+          <a:fillRef idx="0">
+            <a:schemeClr val="accent1"/>
+          </a:fillRef>
+          <a:effectRef idx="1">
+            <a:schemeClr val="accent1"/>
+          </a:effectRef>
+          <a:fontRef idx="minor">
+            <a:schemeClr val="tx1"/>
+          </a:fontRef>
+        </p:style>
+      </p:cxnSp>
+      <p:cxnSp>
+        <p:nvCxnSpPr>
+          <p:cNvPr id="91" name="Straight Arrow Connector 90"/>
+          <p:cNvCxnSpPr/>
+          <p:nvPr/>
+        </p:nvCxnSpPr>
+        <p:spPr>
+          <a:xfrm>
+            <a:off x="1528483" y="6409765"/>
+            <a:ext cx="1429870" cy="0"/>
+          </a:xfrm>
+          <a:prstGeom prst="straightConnector1">
+            <a:avLst/>
+          </a:prstGeom>
+          <a:ln>
+            <a:tailEnd type="arrow"/>
+          </a:ln>
+        </p:spPr>
+        <p:style>
+          <a:lnRef idx="2">
+            <a:schemeClr val="accent1"/>
+          </a:lnRef>
+          <a:fillRef idx="0">
+            <a:schemeClr val="accent1"/>
+          </a:fillRef>
+          <a:effectRef idx="1">
+            <a:schemeClr val="accent1"/>
+          </a:effectRef>
+          <a:fontRef idx="minor">
+            <a:schemeClr val="tx1"/>
+          </a:fontRef>
+        </p:style>
+      </p:cxnSp>
+      <p:cxnSp>
+        <p:nvCxnSpPr>
+          <p:cNvPr id="93" name="Straight Arrow Connector 92"/>
+          <p:cNvCxnSpPr/>
+          <p:nvPr/>
+        </p:nvCxnSpPr>
+        <p:spPr>
+          <a:xfrm flipV="1">
+            <a:off x="2958353" y="1417638"/>
+            <a:ext cx="0" cy="4992127"/>
+          </a:xfrm>
+          <a:prstGeom prst="straightConnector1">
+            <a:avLst/>
+          </a:prstGeom>
+          <a:ln>
+            <a:tailEnd type="arrow"/>
+          </a:ln>
+        </p:spPr>
+        <p:style>
+          <a:lnRef idx="2">
+            <a:schemeClr val="accent1"/>
+          </a:lnRef>
+          <a:fillRef idx="0">
+            <a:schemeClr val="accent1"/>
+          </a:fillRef>
+          <a:effectRef idx="1">
+            <a:schemeClr val="accent1"/>
+          </a:effectRef>
+          <a:fontRef idx="minor">
+            <a:schemeClr val="tx1"/>
+          </a:fontRef>
+        </p:style>
+      </p:cxnSp>
+      <p:cxnSp>
+        <p:nvCxnSpPr>
+          <p:cNvPr id="95" name="Straight Arrow Connector 94"/>
+          <p:cNvCxnSpPr/>
+          <p:nvPr/>
+        </p:nvCxnSpPr>
+        <p:spPr>
+          <a:xfrm>
+            <a:off x="2958353" y="1417638"/>
+            <a:ext cx="1505472" cy="0"/>
+          </a:xfrm>
+          <a:prstGeom prst="straightConnector1">
+            <a:avLst/>
+          </a:prstGeom>
+          <a:ln>
+            <a:tailEnd type="arrow"/>
+          </a:ln>
+        </p:spPr>
+        <p:style>
+          <a:lnRef idx="2">
+            <a:schemeClr val="accent1"/>
+          </a:lnRef>
+          <a:fillRef idx="0">
+            <a:schemeClr val="accent1"/>
+          </a:fillRef>
+          <a:effectRef idx="1">
+            <a:schemeClr val="accent1"/>
+          </a:effectRef>
+          <a:fontRef idx="minor">
+            <a:schemeClr val="tx1"/>
+          </a:fontRef>
+        </p:style>
+      </p:cxnSp>
+      <p:cxnSp>
+        <p:nvCxnSpPr>
+          <p:cNvPr id="97" name="Straight Arrow Connector 96"/>
+          <p:cNvCxnSpPr>
+            <a:endCxn id="31" idx="0"/>
+          </p:cNvCxnSpPr>
+          <p:nvPr/>
+        </p:nvCxnSpPr>
+        <p:spPr>
+          <a:xfrm>
+            <a:off x="4463825" y="1417638"/>
+            <a:ext cx="5977" cy="172710"/>
+          </a:xfrm>
+          <a:prstGeom prst="straightConnector1">
+            <a:avLst/>
+          </a:prstGeom>
+          <a:ln>
+            <a:tailEnd type="arrow"/>
+          </a:ln>
+        </p:spPr>
+        <p:style>
+          <a:lnRef idx="2">
+            <a:schemeClr val="accent1"/>
+          </a:lnRef>
+          <a:fillRef idx="0">
+            <a:schemeClr val="accent1"/>
+          </a:fillRef>
+          <a:effectRef idx="1">
+            <a:schemeClr val="accent1"/>
+          </a:effectRef>
+          <a:fontRef idx="minor">
+            <a:schemeClr val="tx1"/>
+          </a:fontRef>
+        </p:style>
+      </p:cxnSp>
+      <p:cxnSp>
+        <p:nvCxnSpPr>
+          <p:cNvPr id="100" name="Straight Arrow Connector 99"/>
+          <p:cNvCxnSpPr/>
+          <p:nvPr/>
+        </p:nvCxnSpPr>
+        <p:spPr>
+          <a:xfrm>
+            <a:off x="4470401" y="6126218"/>
+            <a:ext cx="0" cy="283547"/>
+          </a:xfrm>
+          <a:prstGeom prst="straightConnector1">
+            <a:avLst/>
+          </a:prstGeom>
+          <a:ln>
+            <a:tailEnd type="arrow"/>
+          </a:ln>
+        </p:spPr>
+        <p:style>
+          <a:lnRef idx="2">
+            <a:schemeClr val="accent1"/>
+          </a:lnRef>
+          <a:fillRef idx="0">
+            <a:schemeClr val="accent1"/>
+          </a:fillRef>
+          <a:effectRef idx="1">
+            <a:schemeClr val="accent1"/>
+          </a:effectRef>
+          <a:fontRef idx="minor">
+            <a:schemeClr val="tx1"/>
+          </a:fontRef>
+        </p:style>
+      </p:cxnSp>
+      <p:cxnSp>
+        <p:nvCxnSpPr>
+          <p:cNvPr id="101" name="Straight Arrow Connector 100"/>
+          <p:cNvCxnSpPr/>
+          <p:nvPr/>
+        </p:nvCxnSpPr>
+        <p:spPr>
+          <a:xfrm>
+            <a:off x="4470401" y="6409765"/>
+            <a:ext cx="1606774" cy="0"/>
+          </a:xfrm>
+          <a:prstGeom prst="straightConnector1">
+            <a:avLst/>
+          </a:prstGeom>
+          <a:ln>
+            <a:tailEnd type="arrow"/>
+          </a:ln>
+        </p:spPr>
+        <p:style>
+          <a:lnRef idx="2">
+            <a:schemeClr val="accent1"/>
+          </a:lnRef>
+          <a:fillRef idx="0">
+            <a:schemeClr val="accent1"/>
+          </a:fillRef>
+          <a:effectRef idx="1">
+            <a:schemeClr val="accent1"/>
+          </a:effectRef>
+          <a:fontRef idx="minor">
+            <a:schemeClr val="tx1"/>
+          </a:fontRef>
+        </p:style>
+      </p:cxnSp>
+      <p:cxnSp>
+        <p:nvCxnSpPr>
+          <p:cNvPr id="102" name="Straight Arrow Connector 101"/>
+          <p:cNvCxnSpPr/>
+          <p:nvPr/>
+        </p:nvCxnSpPr>
+        <p:spPr>
+          <a:xfrm flipV="1">
+            <a:off x="6077175" y="1417638"/>
+            <a:ext cx="0" cy="4992127"/>
+          </a:xfrm>
+          <a:prstGeom prst="straightConnector1">
+            <a:avLst/>
+          </a:prstGeom>
+          <a:ln>
+            <a:tailEnd type="arrow"/>
+          </a:ln>
+        </p:spPr>
+        <p:style>
+          <a:lnRef idx="2">
+            <a:schemeClr val="accent1"/>
+          </a:lnRef>
+          <a:fillRef idx="0">
+            <a:schemeClr val="accent1"/>
+          </a:fillRef>
+          <a:effectRef idx="1">
+            <a:schemeClr val="accent1"/>
+          </a:effectRef>
+          <a:fontRef idx="minor">
+            <a:schemeClr val="tx1"/>
+          </a:fontRef>
+        </p:style>
+      </p:cxnSp>
+      <p:cxnSp>
+        <p:nvCxnSpPr>
+          <p:cNvPr id="103" name="Straight Arrow Connector 102"/>
+          <p:cNvCxnSpPr/>
+          <p:nvPr/>
+        </p:nvCxnSpPr>
+        <p:spPr>
+          <a:xfrm>
+            <a:off x="6077175" y="1417638"/>
+            <a:ext cx="1505472" cy="0"/>
+          </a:xfrm>
+          <a:prstGeom prst="straightConnector1">
+            <a:avLst/>
+          </a:prstGeom>
+          <a:ln>
+            <a:tailEnd type="arrow"/>
+          </a:ln>
+        </p:spPr>
+        <p:style>
+          <a:lnRef idx="2">
+            <a:schemeClr val="accent1"/>
+          </a:lnRef>
+          <a:fillRef idx="0">
+            <a:schemeClr val="accent1"/>
+          </a:fillRef>
+          <a:effectRef idx="1">
+            <a:schemeClr val="accent1"/>
+          </a:effectRef>
+          <a:fontRef idx="minor">
+            <a:schemeClr val="tx1"/>
+          </a:fontRef>
+        </p:style>
+      </p:cxnSp>
+      <p:cxnSp>
+        <p:nvCxnSpPr>
+          <p:cNvPr id="104" name="Straight Arrow Connector 103"/>
+          <p:cNvCxnSpPr/>
+          <p:nvPr/>
+        </p:nvCxnSpPr>
+        <p:spPr>
+          <a:xfrm>
+            <a:off x="7582647" y="1417638"/>
+            <a:ext cx="5977" cy="172710"/>
+          </a:xfrm>
+          <a:prstGeom prst="straightConnector1">
+            <a:avLst/>
+          </a:prstGeom>
+          <a:ln>
+            <a:tailEnd type="arrow"/>
+          </a:ln>
+        </p:spPr>
+        <p:style>
+          <a:lnRef idx="2">
+            <a:schemeClr val="accent1"/>
+          </a:lnRef>
+          <a:fillRef idx="0">
+            <a:schemeClr val="accent1"/>
+          </a:fillRef>
+          <a:effectRef idx="1">
+            <a:schemeClr val="accent1"/>
+          </a:effectRef>
+          <a:fontRef idx="minor">
+            <a:schemeClr val="tx1"/>
+          </a:fontRef>
+        </p:style>
+      </p:cxnSp>
     </p:spTree>
     <p:extLst>
       <p:ext uri="{BB962C8B-B14F-4D97-AF65-F5344CB8AC3E}">
-        <p14:creationId xmlns:p14="http://schemas.microsoft.com/office/powerpoint/2010/main" val="1257710344"/>
+        <p14:creationId xmlns:p14="http://schemas.microsoft.com/office/powerpoint/2010/main" val="2006173066"/>
       </p:ext>
     </p:extLst>
   </p:cSld>
@@ -5950,329 +7517,9 @@
   <p:timing>
     <p:tnLst>
       <p:par>
-        <p:cTn xmlns:p14="http://schemas.microsoft.com/office/powerpoint/2010/main" id="1" dur="indefinite" restart="never" nodeType="tmRoot">
-          <p:childTnLst>
-            <p:seq concurrent="1" nextAc="seek">
-              <p:cTn id="2" dur="indefinite" nodeType="mainSeq">
-                <p:childTnLst>
-                  <p:par>
-                    <p:cTn id="3" fill="hold">
-                      <p:stCondLst>
-                        <p:cond delay="indefinite"/>
-                      </p:stCondLst>
-                      <p:childTnLst>
-                        <p:par>
-                          <p:cTn id="4" fill="hold">
-                            <p:stCondLst>
-                              <p:cond delay="0"/>
-                            </p:stCondLst>
-                            <p:childTnLst>
-                              <p:par>
-                                <p:cTn id="5" presetID="1" presetClass="entr" presetSubtype="0" fill="hold" grpId="0" nodeType="clickEffect">
-                                  <p:stCondLst>
-                                    <p:cond delay="0"/>
-                                  </p:stCondLst>
-                                  <p:childTnLst>
-                                    <p:set>
-                                      <p:cBhvr>
-                                        <p:cTn id="6" dur="1" fill="hold">
-                                          <p:stCondLst>
-                                            <p:cond delay="0"/>
-                                          </p:stCondLst>
-                                        </p:cTn>
-                                        <p:tgtEl>
-                                          <p:spTgt spid="3">
-                                            <p:txEl>
-                                              <p:pRg st="0" end="0"/>
-                                            </p:txEl>
-                                          </p:spTgt>
-                                        </p:tgtEl>
-                                        <p:attrNameLst>
-                                          <p:attrName>style.visibility</p:attrName>
-                                        </p:attrNameLst>
-                                      </p:cBhvr>
-                                      <p:to>
-                                        <p:strVal val="visible"/>
-                                      </p:to>
-                                    </p:set>
-                                  </p:childTnLst>
-                                </p:cTn>
-                              </p:par>
-                            </p:childTnLst>
-                          </p:cTn>
-                        </p:par>
-                      </p:childTnLst>
-                    </p:cTn>
-                  </p:par>
-                  <p:par>
-                    <p:cTn id="7" fill="hold">
-                      <p:stCondLst>
-                        <p:cond delay="indefinite"/>
-                      </p:stCondLst>
-                      <p:childTnLst>
-                        <p:par>
-                          <p:cTn id="8" fill="hold">
-                            <p:stCondLst>
-                              <p:cond delay="0"/>
-                            </p:stCondLst>
-                            <p:childTnLst>
-                              <p:par>
-                                <p:cTn id="9" presetID="1" presetClass="entr" presetSubtype="0" fill="hold" grpId="0" nodeType="clickEffect">
-                                  <p:stCondLst>
-                                    <p:cond delay="0"/>
-                                  </p:stCondLst>
-                                  <p:childTnLst>
-                                    <p:set>
-                                      <p:cBhvr>
-                                        <p:cTn id="10" dur="1" fill="hold">
-                                          <p:stCondLst>
-                                            <p:cond delay="0"/>
-                                          </p:stCondLst>
-                                        </p:cTn>
-                                        <p:tgtEl>
-                                          <p:spTgt spid="3">
-                                            <p:txEl>
-                                              <p:pRg st="2" end="2"/>
-                                            </p:txEl>
-                                          </p:spTgt>
-                                        </p:tgtEl>
-                                        <p:attrNameLst>
-                                          <p:attrName>style.visibility</p:attrName>
-                                        </p:attrNameLst>
-                                      </p:cBhvr>
-                                      <p:to>
-                                        <p:strVal val="visible"/>
-                                      </p:to>
-                                    </p:set>
-                                  </p:childTnLst>
-                                </p:cTn>
-                              </p:par>
-                            </p:childTnLst>
-                          </p:cTn>
-                        </p:par>
-                      </p:childTnLst>
-                    </p:cTn>
-                  </p:par>
-                  <p:par>
-                    <p:cTn id="11" fill="hold">
-                      <p:stCondLst>
-                        <p:cond delay="indefinite"/>
-                      </p:stCondLst>
-                      <p:childTnLst>
-                        <p:par>
-                          <p:cTn id="12" fill="hold">
-                            <p:stCondLst>
-                              <p:cond delay="0"/>
-                            </p:stCondLst>
-                            <p:childTnLst>
-                              <p:par>
-                                <p:cTn id="13" presetID="1" presetClass="entr" presetSubtype="0" fill="hold" grpId="0" nodeType="clickEffect">
-                                  <p:stCondLst>
-                                    <p:cond delay="0"/>
-                                  </p:stCondLst>
-                                  <p:childTnLst>
-                                    <p:set>
-                                      <p:cBhvr>
-                                        <p:cTn id="14" dur="1" fill="hold">
-                                          <p:stCondLst>
-                                            <p:cond delay="0"/>
-                                          </p:stCondLst>
-                                        </p:cTn>
-                                        <p:tgtEl>
-                                          <p:spTgt spid="3">
-                                            <p:txEl>
-                                              <p:pRg st="3" end="3"/>
-                                            </p:txEl>
-                                          </p:spTgt>
-                                        </p:tgtEl>
-                                        <p:attrNameLst>
-                                          <p:attrName>style.visibility</p:attrName>
-                                        </p:attrNameLst>
-                                      </p:cBhvr>
-                                      <p:to>
-                                        <p:strVal val="visible"/>
-                                      </p:to>
-                                    </p:set>
-                                  </p:childTnLst>
-                                </p:cTn>
-                              </p:par>
-                            </p:childTnLst>
-                          </p:cTn>
-                        </p:par>
-                      </p:childTnLst>
-                    </p:cTn>
-                  </p:par>
-                  <p:par>
-                    <p:cTn id="15" fill="hold">
-                      <p:stCondLst>
-                        <p:cond delay="indefinite"/>
-                      </p:stCondLst>
-                      <p:childTnLst>
-                        <p:par>
-                          <p:cTn id="16" fill="hold">
-                            <p:stCondLst>
-                              <p:cond delay="0"/>
-                            </p:stCondLst>
-                            <p:childTnLst>
-                              <p:par>
-                                <p:cTn id="17" presetID="1" presetClass="entr" presetSubtype="0" fill="hold" grpId="0" nodeType="clickEffect">
-                                  <p:stCondLst>
-                                    <p:cond delay="0"/>
-                                  </p:stCondLst>
-                                  <p:childTnLst>
-                                    <p:set>
-                                      <p:cBhvr>
-                                        <p:cTn id="18" dur="1" fill="hold">
-                                          <p:stCondLst>
-                                            <p:cond delay="0"/>
-                                          </p:stCondLst>
-                                        </p:cTn>
-                                        <p:tgtEl>
-                                          <p:spTgt spid="3">
-                                            <p:txEl>
-                                              <p:pRg st="5" end="5"/>
-                                            </p:txEl>
-                                          </p:spTgt>
-                                        </p:tgtEl>
-                                        <p:attrNameLst>
-                                          <p:attrName>style.visibility</p:attrName>
-                                        </p:attrNameLst>
-                                      </p:cBhvr>
-                                      <p:to>
-                                        <p:strVal val="visible"/>
-                                      </p:to>
-                                    </p:set>
-                                  </p:childTnLst>
-                                </p:cTn>
-                              </p:par>
-                            </p:childTnLst>
-                          </p:cTn>
-                        </p:par>
-                      </p:childTnLst>
-                    </p:cTn>
-                  </p:par>
-                  <p:par>
-                    <p:cTn id="19" fill="hold">
-                      <p:stCondLst>
-                        <p:cond delay="indefinite"/>
-                      </p:stCondLst>
-                      <p:childTnLst>
-                        <p:par>
-                          <p:cTn id="20" fill="hold">
-                            <p:stCondLst>
-                              <p:cond delay="0"/>
-                            </p:stCondLst>
-                            <p:childTnLst>
-                              <p:par>
-                                <p:cTn id="21" presetID="1" presetClass="entr" presetSubtype="0" fill="hold" grpId="0" nodeType="clickEffect">
-                                  <p:stCondLst>
-                                    <p:cond delay="0"/>
-                                  </p:stCondLst>
-                                  <p:childTnLst>
-                                    <p:set>
-                                      <p:cBhvr>
-                                        <p:cTn id="22" dur="1" fill="hold">
-                                          <p:stCondLst>
-                                            <p:cond delay="0"/>
-                                          </p:stCondLst>
-                                        </p:cTn>
-                                        <p:tgtEl>
-                                          <p:spTgt spid="3">
-                                            <p:txEl>
-                                              <p:pRg st="7" end="7"/>
-                                            </p:txEl>
-                                          </p:spTgt>
-                                        </p:tgtEl>
-                                        <p:attrNameLst>
-                                          <p:attrName>style.visibility</p:attrName>
-                                        </p:attrNameLst>
-                                      </p:cBhvr>
-                                      <p:to>
-                                        <p:strVal val="visible"/>
-                                      </p:to>
-                                    </p:set>
-                                  </p:childTnLst>
-                                </p:cTn>
-                              </p:par>
-                            </p:childTnLst>
-                          </p:cTn>
-                        </p:par>
-                      </p:childTnLst>
-                    </p:cTn>
-                  </p:par>
-                  <p:par>
-                    <p:cTn id="23" fill="hold">
-                      <p:stCondLst>
-                        <p:cond delay="indefinite"/>
-                      </p:stCondLst>
-                      <p:childTnLst>
-                        <p:par>
-                          <p:cTn id="24" fill="hold">
-                            <p:stCondLst>
-                              <p:cond delay="0"/>
-                            </p:stCondLst>
-                            <p:childTnLst>
-                              <p:par>
-                                <p:cTn id="25" presetID="1" presetClass="entr" presetSubtype="0" fill="hold" grpId="0" nodeType="clickEffect">
-                                  <p:stCondLst>
-                                    <p:cond delay="0"/>
-                                  </p:stCondLst>
-                                  <p:childTnLst>
-                                    <p:set>
-                                      <p:cBhvr>
-                                        <p:cTn id="26" dur="1" fill="hold">
-                                          <p:stCondLst>
-                                            <p:cond delay="0"/>
-                                          </p:stCondLst>
-                                        </p:cTn>
-                                        <p:tgtEl>
-                                          <p:spTgt spid="3">
-                                            <p:txEl>
-                                              <p:pRg st="9" end="9"/>
-                                            </p:txEl>
-                                          </p:spTgt>
-                                        </p:tgtEl>
-                                        <p:attrNameLst>
-                                          <p:attrName>style.visibility</p:attrName>
-                                        </p:attrNameLst>
-                                      </p:cBhvr>
-                                      <p:to>
-                                        <p:strVal val="visible"/>
-                                      </p:to>
-                                    </p:set>
-                                  </p:childTnLst>
-                                </p:cTn>
-                              </p:par>
-                            </p:childTnLst>
-                          </p:cTn>
-                        </p:par>
-                      </p:childTnLst>
-                    </p:cTn>
-                  </p:par>
-                </p:childTnLst>
-              </p:cTn>
-              <p:prevCondLst>
-                <p:cond evt="onPrev" delay="0">
-                  <p:tgtEl>
-                    <p:sldTgt/>
-                  </p:tgtEl>
-                </p:cond>
-              </p:prevCondLst>
-              <p:nextCondLst>
-                <p:cond evt="onNext" delay="0">
-                  <p:tgtEl>
-                    <p:sldTgt/>
-                  </p:tgtEl>
-                </p:cond>
-              </p:nextCondLst>
-            </p:seq>
-          </p:childTnLst>
-        </p:cTn>
+        <p:cTn xmlns:p14="http://schemas.microsoft.com/office/powerpoint/2010/main" id="1" dur="indefinite" restart="never" nodeType="tmRoot"/>
       </p:par>
     </p:tnLst>
-    <p:bldLst>
-      <p:bldP spid="3" grpId="0" build="p"/>
-    </p:bldLst>
   </p:timing>
 </p:sld>
 </file>

--- a/content/cse115/media/115Slides/3-Functions.pptx
+++ b/content/cse115/media/115Slides/3-Functions.pptx
@@ -5,7 +5,7 @@
     <p:sldMasterId id="2147483660" r:id="rId1"/>
   </p:sldMasterIdLst>
   <p:notesMasterIdLst>
-    <p:notesMasterId r:id="rId16"/>
+    <p:notesMasterId r:id="rId17"/>
   </p:notesMasterIdLst>
   <p:sldIdLst>
     <p:sldId id="256" r:id="rId2"/>
@@ -18,10 +18,11 @@
     <p:sldId id="282" r:id="rId9"/>
     <p:sldId id="283" r:id="rId10"/>
     <p:sldId id="284" r:id="rId11"/>
-    <p:sldId id="272" r:id="rId12"/>
-    <p:sldId id="285" r:id="rId13"/>
-    <p:sldId id="279" r:id="rId14"/>
-    <p:sldId id="280" r:id="rId15"/>
+    <p:sldId id="286" r:id="rId12"/>
+    <p:sldId id="272" r:id="rId13"/>
+    <p:sldId id="285" r:id="rId14"/>
+    <p:sldId id="279" r:id="rId15"/>
+    <p:sldId id="280" r:id="rId16"/>
   </p:sldIdLst>
   <p:sldSz cx="9144000" cy="6858000" type="screen4x3"/>
   <p:notesSz cx="6858000" cy="9144000"/>
@@ -3627,6 +3628,109 @@
       </p:grpSpPr>
       <p:sp>
         <p:nvSpPr>
+          <p:cNvPr id="12" name="Rounded Rectangle 11"/>
+          <p:cNvSpPr/>
+          <p:nvPr/>
+        </p:nvSpPr>
+        <p:spPr>
+          <a:xfrm>
+            <a:off x="2845695" y="2621579"/>
+            <a:ext cx="3130775" cy="1367716"/>
+          </a:xfrm>
+          <a:prstGeom prst="roundRect">
+            <a:avLst/>
+          </a:prstGeom>
+          <a:ln/>
+        </p:spPr>
+        <p:style>
+          <a:lnRef idx="1">
+            <a:schemeClr val="accent1"/>
+          </a:lnRef>
+          <a:fillRef idx="3">
+            <a:schemeClr val="accent1"/>
+          </a:fillRef>
+          <a:effectRef idx="2">
+            <a:schemeClr val="accent1"/>
+          </a:effectRef>
+          <a:fontRef idx="minor">
+            <a:schemeClr val="lt1"/>
+          </a:fontRef>
+        </p:style>
+        <p:txBody>
+          <a:bodyPr/>
+          <a:lstStyle/>
+          <a:p>
+            <a:pPr algn="ctr"/>
+            <a:r>
+              <a:rPr lang="en-US" sz="3200" dirty="0" smtClean="0"/>
+              <a:t>Drive from home to school</a:t>
+            </a:r>
+            <a:endParaRPr lang="en-US" sz="3200" dirty="0"/>
+          </a:p>
+        </p:txBody>
+      </p:sp>
+      <p:sp>
+        <p:nvSpPr>
+          <p:cNvPr id="4" name="Title 3"/>
+          <p:cNvSpPr>
+            <a:spLocks noGrp="1"/>
+          </p:cNvSpPr>
+          <p:nvPr>
+            <p:ph type="title"/>
+          </p:nvPr>
+        </p:nvSpPr>
+        <p:spPr/>
+        <p:txBody>
+          <a:bodyPr/>
+          <a:lstStyle/>
+          <a:p>
+            <a:r>
+              <a:rPr lang="en-US" dirty="0" smtClean="0"/>
+              <a:t>Hide the details</a:t>
+            </a:r>
+            <a:endParaRPr lang="en-US" dirty="0"/>
+          </a:p>
+        </p:txBody>
+      </p:sp>
+    </p:spTree>
+    <p:extLst>
+      <p:ext uri="{BB962C8B-B14F-4D97-AF65-F5344CB8AC3E}">
+        <p14:creationId xmlns:p14="http://schemas.microsoft.com/office/powerpoint/2010/main" val="1790091499"/>
+      </p:ext>
+    </p:extLst>
+  </p:cSld>
+  <p:clrMapOvr>
+    <a:masterClrMapping/>
+  </p:clrMapOvr>
+  <p:timing>
+    <p:tnLst>
+      <p:par>
+        <p:cTn xmlns:p14="http://schemas.microsoft.com/office/powerpoint/2010/main" id="1" dur="indefinite" restart="never" nodeType="tmRoot"/>
+      </p:par>
+    </p:tnLst>
+  </p:timing>
+</p:sld>
+</file>
+
+<file path=ppt/slides/slide12.xml><?xml version="1.0" encoding="utf-8"?>
+<p:sld xmlns:a="http://schemas.openxmlformats.org/drawingml/2006/main" xmlns:r="http://schemas.openxmlformats.org/officeDocument/2006/relationships" xmlns:p="http://schemas.openxmlformats.org/presentationml/2006/main">
+  <p:cSld>
+    <p:spTree>
+      <p:nvGrpSpPr>
+        <p:cNvPr id="1" name=""/>
+        <p:cNvGrpSpPr/>
+        <p:nvPr/>
+      </p:nvGrpSpPr>
+      <p:grpSpPr>
+        <a:xfrm>
+          <a:off x="0" y="0"/>
+          <a:ext cx="0" cy="0"/>
+          <a:chOff x="0" y="0"/>
+          <a:chExt cx="0" cy="0"/>
+        </a:xfrm>
+      </p:grpSpPr>
+      <p:sp>
+        <p:nvSpPr>
           <p:cNvPr id="2" name="Title 1"/>
           <p:cNvSpPr>
             <a:spLocks noGrp="1"/>
@@ -3902,7 +4006,7 @@
 </p:sld>
 </file>
 
-<file path=ppt/slides/slide12.xml><?xml version="1.0" encoding="utf-8"?>
+<file path=ppt/slides/slide13.xml><?xml version="1.0" encoding="utf-8"?>
 <p:sld xmlns:a="http://schemas.openxmlformats.org/drawingml/2006/main" xmlns:r="http://schemas.openxmlformats.org/officeDocument/2006/relationships" xmlns:p="http://schemas.openxmlformats.org/presentationml/2006/main">
   <p:cSld>
     <p:spTree>
@@ -4025,7 +4129,7 @@
 </p:sld>
 </file>
 
-<file path=ppt/slides/slide13.xml><?xml version="1.0" encoding="utf-8"?>
+<file path=ppt/slides/slide14.xml><?xml version="1.0" encoding="utf-8"?>
 <p:sld xmlns:a="http://schemas.openxmlformats.org/drawingml/2006/main" xmlns:r="http://schemas.openxmlformats.org/officeDocument/2006/relationships" xmlns:p="http://schemas.openxmlformats.org/presentationml/2006/main">
   <p:cSld>
     <p:spTree>
@@ -4104,7 +4208,7 @@
 </p:sld>
 </file>
 
-<file path=ppt/slides/slide14.xml><?xml version="1.0" encoding="utf-8"?>
+<file path=ppt/slides/slide15.xml><?xml version="1.0" encoding="utf-8"?>
 <p:sld xmlns:a="http://schemas.openxmlformats.org/drawingml/2006/main" xmlns:r="http://schemas.openxmlformats.org/officeDocument/2006/relationships" xmlns:p="http://schemas.openxmlformats.org/presentationml/2006/main">
   <p:cSld>
     <p:spTree>
@@ -4763,15 +4867,33 @@
                                   </p:childTnLst>
                                 </p:cTn>
                               </p:par>
+                            </p:childTnLst>
+                          </p:cTn>
+                        </p:par>
+                      </p:childTnLst>
+                    </p:cTn>
+                  </p:par>
+                  <p:par>
+                    <p:cTn id="15" fill="hold">
+                      <p:stCondLst>
+                        <p:cond delay="indefinite"/>
+                      </p:stCondLst>
+                      <p:childTnLst>
+                        <p:par>
+                          <p:cTn id="16" fill="hold">
+                            <p:stCondLst>
+                              <p:cond delay="0"/>
+                            </p:stCondLst>
+                            <p:childTnLst>
                               <p:par>
-                                <p:cTn id="15" presetID="1" presetClass="entr" presetSubtype="0" fill="hold" grpId="0" nodeType="withEffect">
+                                <p:cTn id="17" presetID="1" presetClass="entr" presetSubtype="0" fill="hold" grpId="0" nodeType="clickEffect">
                                   <p:stCondLst>
                                     <p:cond delay="0"/>
                                   </p:stCondLst>
                                   <p:childTnLst>
                                     <p:set>
                                       <p:cBhvr>
-                                        <p:cTn id="16" dur="1" fill="hold">
+                                        <p:cTn id="18" dur="1" fill="hold">
                                           <p:stCondLst>
                                             <p:cond delay="0"/>
                                           </p:stCondLst>
@@ -4801,26 +4923,26 @@
                     </p:cTn>
                   </p:par>
                   <p:par>
-                    <p:cTn id="17" fill="hold">
+                    <p:cTn id="19" fill="hold">
                       <p:stCondLst>
                         <p:cond delay="indefinite"/>
                       </p:stCondLst>
                       <p:childTnLst>
                         <p:par>
-                          <p:cTn id="18" fill="hold">
+                          <p:cTn id="20" fill="hold">
                             <p:stCondLst>
                               <p:cond delay="0"/>
                             </p:stCondLst>
                             <p:childTnLst>
                               <p:par>
-                                <p:cTn id="19" presetID="1" presetClass="entr" presetSubtype="0" fill="hold" grpId="0" nodeType="clickEffect">
+                                <p:cTn id="21" presetID="1" presetClass="entr" presetSubtype="0" fill="hold" grpId="0" nodeType="clickEffect">
                                   <p:stCondLst>
                                     <p:cond delay="0"/>
                                   </p:stCondLst>
                                   <p:childTnLst>
                                     <p:set>
                                       <p:cBhvr>
-                                        <p:cTn id="20" dur="1" fill="hold">
+                                        <p:cTn id="22" dur="1" fill="hold">
                                           <p:stCondLst>
                                             <p:cond delay="0"/>
                                           </p:stCondLst>
@@ -4871,7 +4993,7 @@
       </p:par>
     </p:tnLst>
     <p:bldLst>
-      <p:bldP spid="3" grpId="0" build="p"/>
+      <p:bldP spid="3" grpId="0" uiExpand="1" build="p"/>
     </p:bldLst>
   </p:timing>
 </p:sld>
